--- a/v12.pptx
+++ b/v12.pptx
@@ -5731,7 +5731,7 @@
     <mc:Choice Requires="p14">
       <p:transition/>
     </mc:Choice>
-    <mc:Fallback xmlns:dsp="http://schemas.microsoft.com/office/drawing/2008/diagram" xmlns:dgm="http://schemas.openxmlformats.org/drawingml/2006/diagram" xmlns:c="http://schemas.openxmlformats.org/drawingml/2006/chart" xmlns="">
+    <mc:Fallback xmlns="" xmlns:c="http://schemas.openxmlformats.org/drawingml/2006/chart" xmlns:dgm="http://schemas.openxmlformats.org/drawingml/2006/diagram" xmlns:dsp="http://schemas.microsoft.com/office/drawing/2008/diagram">
       <p:transition/>
     </mc:Fallback>
   </mc:AlternateContent>
@@ -7216,7 +7216,7 @@
     <mc:Choice Requires="p14">
       <p:transition/>
     </mc:Choice>
-    <mc:Fallback xmlns:dsp="http://schemas.microsoft.com/office/drawing/2008/diagram" xmlns:dgm="http://schemas.openxmlformats.org/drawingml/2006/diagram" xmlns:c="http://schemas.openxmlformats.org/drawingml/2006/chart" xmlns="">
+    <mc:Fallback xmlns="" xmlns:c="http://schemas.openxmlformats.org/drawingml/2006/chart" xmlns:dgm="http://schemas.openxmlformats.org/drawingml/2006/diagram" xmlns:dsp="http://schemas.microsoft.com/office/drawing/2008/diagram">
       <p:transition/>
     </mc:Fallback>
   </mc:AlternateContent>
@@ -8011,7 +8011,7 @@
     <mc:Choice Requires="p14">
       <p:transition/>
     </mc:Choice>
-    <mc:Fallback xmlns:dsp="http://schemas.microsoft.com/office/drawing/2008/diagram" xmlns:dgm="http://schemas.openxmlformats.org/drawingml/2006/diagram" xmlns:c="http://schemas.openxmlformats.org/drawingml/2006/chart" xmlns="">
+    <mc:Fallback xmlns="" xmlns:c="http://schemas.openxmlformats.org/drawingml/2006/chart" xmlns:dgm="http://schemas.openxmlformats.org/drawingml/2006/diagram" xmlns:dsp="http://schemas.microsoft.com/office/drawing/2008/diagram">
       <p:transition/>
     </mc:Fallback>
   </mc:AlternateContent>
@@ -8417,7 +8417,7 @@
     <mc:Choice Requires="p14">
       <p:transition/>
     </mc:Choice>
-    <mc:Fallback xmlns:dsp="http://schemas.microsoft.com/office/drawing/2008/diagram" xmlns:dgm="http://schemas.openxmlformats.org/drawingml/2006/diagram" xmlns:c="http://schemas.openxmlformats.org/drawingml/2006/chart" xmlns="">
+    <mc:Fallback xmlns="" xmlns:c="http://schemas.openxmlformats.org/drawingml/2006/chart" xmlns:dgm="http://schemas.openxmlformats.org/drawingml/2006/diagram" xmlns:dsp="http://schemas.microsoft.com/office/drawing/2008/diagram">
       <p:transition/>
     </mc:Fallback>
   </mc:AlternateContent>
@@ -9668,7 +9668,7 @@
     <mc:Choice Requires="p14">
       <p:transition/>
     </mc:Choice>
-    <mc:Fallback xmlns="" xmlns:c="http://schemas.openxmlformats.org/drawingml/2006/chart" xmlns:dgm="http://schemas.openxmlformats.org/drawingml/2006/diagram" xmlns:dsp="http://schemas.microsoft.com/office/drawing/2008/diagram">
+    <mc:Fallback xmlns:dsp="http://schemas.microsoft.com/office/drawing/2008/diagram" xmlns:dgm="http://schemas.openxmlformats.org/drawingml/2006/diagram" xmlns:c="http://schemas.openxmlformats.org/drawingml/2006/chart" xmlns="">
       <p:transition/>
     </mc:Fallback>
   </mc:AlternateContent>
@@ -10340,7 +10340,7 @@
     <mc:Choice Requires="p14">
       <p:transition/>
     </mc:Choice>
-    <mc:Fallback xmlns:dsp="http://schemas.microsoft.com/office/drawing/2008/diagram" xmlns:dgm="http://schemas.openxmlformats.org/drawingml/2006/diagram" xmlns:c="http://schemas.openxmlformats.org/drawingml/2006/chart" xmlns="">
+    <mc:Fallback xmlns="" xmlns:c="http://schemas.openxmlformats.org/drawingml/2006/chart" xmlns:dgm="http://schemas.openxmlformats.org/drawingml/2006/diagram" xmlns:dsp="http://schemas.microsoft.com/office/drawing/2008/diagram">
       <p:transition/>
     </mc:Fallback>
   </mc:AlternateContent>
@@ -11292,7 +11292,7 @@
     <mc:Choice Requires="p14">
       <p:transition/>
     </mc:Choice>
-    <mc:Fallback xmlns="" xmlns:c="http://schemas.openxmlformats.org/drawingml/2006/chart" xmlns:dgm="http://schemas.openxmlformats.org/drawingml/2006/diagram" xmlns:dsp="http://schemas.microsoft.com/office/drawing/2008/diagram">
+    <mc:Fallback xmlns:dsp="http://schemas.microsoft.com/office/drawing/2008/diagram" xmlns:dgm="http://schemas.openxmlformats.org/drawingml/2006/diagram" xmlns:c="http://schemas.openxmlformats.org/drawingml/2006/chart" xmlns="">
       <p:transition/>
     </mc:Fallback>
   </mc:AlternateContent>
@@ -13175,7 +13175,7 @@
     <mc:Choice Requires="p14">
       <p:transition/>
     </mc:Choice>
-    <mc:Fallback xmlns="" xmlns:c="http://schemas.openxmlformats.org/drawingml/2006/chart" xmlns:dgm="http://schemas.openxmlformats.org/drawingml/2006/diagram" xmlns:dsp="http://schemas.microsoft.com/office/drawing/2008/diagram">
+    <mc:Fallback xmlns:dsp="http://schemas.microsoft.com/office/drawing/2008/diagram" xmlns:dgm="http://schemas.openxmlformats.org/drawingml/2006/diagram" xmlns:c="http://schemas.openxmlformats.org/drawingml/2006/chart" xmlns="">
       <p:transition/>
     </mc:Fallback>
   </mc:AlternateContent>
@@ -13278,13 +13278,13 @@
           <p:nvPr>
             <p:extLst>
               <p:ext uri="{D42A27DB-BD31-4B8C-83A1-F6EECF244321}">
-                <p14:modId xmlns:p14="http://schemas.microsoft.com/office/powerpoint/2010/main" val="1199484912"/>
+                <p14:modId xmlns:p14="http://schemas.microsoft.com/office/powerpoint/2010/main" val="3664088333"/>
               </p:ext>
             </p:extLst>
           </p:nvPr>
         </p:nvGraphicFramePr>
         <p:xfrm>
-          <a:off x="5004048" y="1393571"/>
+          <a:off x="7167750" y="1393571"/>
           <a:ext cx="1354050" cy="1219080"/>
         </p:xfrm>
         <a:graphic>
@@ -13565,7 +13565,7 @@
         </p:nvSpPr>
         <p:spPr>
           <a:xfrm>
-            <a:off x="5808328" y="1797134"/>
+            <a:off x="7972030" y="1797134"/>
             <a:ext cx="388200" cy="118500"/>
           </a:xfrm>
           <a:prstGeom prst="rect">
@@ -13612,7 +13612,7 @@
         </p:nvSpPr>
         <p:spPr>
           <a:xfrm>
-            <a:off x="5808328" y="1497072"/>
+            <a:off x="7972030" y="1497072"/>
             <a:ext cx="388200" cy="118500"/>
           </a:xfrm>
           <a:prstGeom prst="rect">
@@ -13659,7 +13659,7 @@
         </p:nvSpPr>
         <p:spPr>
           <a:xfrm>
-            <a:off x="5808328" y="2097184"/>
+            <a:off x="7972030" y="2097184"/>
             <a:ext cx="388200" cy="118500"/>
           </a:xfrm>
           <a:prstGeom prst="rect">
@@ -13706,7 +13706,7 @@
         </p:nvSpPr>
         <p:spPr>
           <a:xfrm>
-            <a:off x="5808328" y="2397234"/>
+            <a:off x="7972030" y="2397234"/>
             <a:ext cx="388200" cy="118500"/>
           </a:xfrm>
           <a:prstGeom prst="rect">
@@ -14135,7 +14135,7 @@
     <mc:Choice Requires="p14">
       <p:transition/>
     </mc:Choice>
-    <mc:Fallback xmlns="" xmlns:c="http://schemas.openxmlformats.org/drawingml/2006/chart" xmlns:dgm="http://schemas.openxmlformats.org/drawingml/2006/diagram" xmlns:dsp="http://schemas.microsoft.com/office/drawing/2008/diagram">
+    <mc:Fallback xmlns:dsp="http://schemas.microsoft.com/office/drawing/2008/diagram" xmlns:dgm="http://schemas.openxmlformats.org/drawingml/2006/diagram" xmlns:c="http://schemas.openxmlformats.org/drawingml/2006/chart" xmlns="">
       <p:transition/>
     </mc:Fallback>
   </mc:AlternateContent>
@@ -15932,7 +15932,7 @@
     <mc:Choice Requires="p14">
       <p:transition/>
     </mc:Choice>
-    <mc:Fallback xmlns="" xmlns:c="http://schemas.openxmlformats.org/drawingml/2006/chart" xmlns:dgm="http://schemas.openxmlformats.org/drawingml/2006/diagram" xmlns:dsp="http://schemas.microsoft.com/office/drawing/2008/diagram">
+    <mc:Fallback xmlns:dsp="http://schemas.microsoft.com/office/drawing/2008/diagram" xmlns:dgm="http://schemas.openxmlformats.org/drawingml/2006/diagram" xmlns:c="http://schemas.openxmlformats.org/drawingml/2006/chart" xmlns="">
       <p:transition/>
     </mc:Fallback>
   </mc:AlternateContent>
@@ -16503,7 +16503,7 @@
     <mc:Choice Requires="p14">
       <p:transition/>
     </mc:Choice>
-    <mc:Fallback xmlns:dsp="http://schemas.microsoft.com/office/drawing/2008/diagram" xmlns:dgm="http://schemas.openxmlformats.org/drawingml/2006/diagram" xmlns:c="http://schemas.openxmlformats.org/drawingml/2006/chart" xmlns="">
+    <mc:Fallback xmlns="" xmlns:c="http://schemas.openxmlformats.org/drawingml/2006/chart" xmlns:dgm="http://schemas.openxmlformats.org/drawingml/2006/diagram" xmlns:dsp="http://schemas.microsoft.com/office/drawing/2008/diagram">
       <p:transition/>
     </mc:Fallback>
   </mc:AlternateContent>
@@ -16871,7 +16871,7 @@
     <mc:Choice Requires="p14">
       <p:transition/>
     </mc:Choice>
-    <mc:Fallback xmlns:dsp="http://schemas.microsoft.com/office/drawing/2008/diagram" xmlns:dgm="http://schemas.openxmlformats.org/drawingml/2006/diagram" xmlns:c="http://schemas.openxmlformats.org/drawingml/2006/chart" xmlns="">
+    <mc:Fallback xmlns="" xmlns:c="http://schemas.openxmlformats.org/drawingml/2006/chart" xmlns:dgm="http://schemas.openxmlformats.org/drawingml/2006/diagram" xmlns:dsp="http://schemas.microsoft.com/office/drawing/2008/diagram">
       <p:transition/>
     </mc:Fallback>
   </mc:AlternateContent>
@@ -17285,7 +17285,7 @@
     <mc:Choice Requires="p14">
       <p:transition/>
     </mc:Choice>
-    <mc:Fallback xmlns:dsp="http://schemas.microsoft.com/office/drawing/2008/diagram" xmlns:dgm="http://schemas.openxmlformats.org/drawingml/2006/diagram" xmlns:c="http://schemas.openxmlformats.org/drawingml/2006/chart" xmlns="">
+    <mc:Fallback xmlns="" xmlns:c="http://schemas.openxmlformats.org/drawingml/2006/chart" xmlns:dgm="http://schemas.openxmlformats.org/drawingml/2006/diagram" xmlns:dsp="http://schemas.microsoft.com/office/drawing/2008/diagram">
       <p:transition/>
     </mc:Fallback>
   </mc:AlternateContent>
@@ -18029,7 +18029,7 @@
     <mc:Choice Requires="p14">
       <p:transition/>
     </mc:Choice>
-    <mc:Fallback xmlns:dsp="http://schemas.microsoft.com/office/drawing/2008/diagram" xmlns:dgm="http://schemas.openxmlformats.org/drawingml/2006/diagram" xmlns:c="http://schemas.openxmlformats.org/drawingml/2006/chart" xmlns="">
+    <mc:Fallback xmlns="" xmlns:c="http://schemas.openxmlformats.org/drawingml/2006/chart" xmlns:dgm="http://schemas.openxmlformats.org/drawingml/2006/diagram" xmlns:dsp="http://schemas.microsoft.com/office/drawing/2008/diagram">
       <p:transition/>
     </mc:Fallback>
   </mc:AlternateContent>
@@ -19943,7 +19943,7 @@
     <mc:Choice Requires="p14">
       <p:transition/>
     </mc:Choice>
-    <mc:Fallback xmlns:dsp="http://schemas.microsoft.com/office/drawing/2008/diagram" xmlns:dgm="http://schemas.openxmlformats.org/drawingml/2006/diagram" xmlns:c="http://schemas.openxmlformats.org/drawingml/2006/chart" xmlns="">
+    <mc:Fallback xmlns="" xmlns:c="http://schemas.openxmlformats.org/drawingml/2006/chart" xmlns:dgm="http://schemas.openxmlformats.org/drawingml/2006/diagram" xmlns:dsp="http://schemas.microsoft.com/office/drawing/2008/diagram">
       <p:transition/>
     </mc:Fallback>
   </mc:AlternateContent>
@@ -21026,7 +21026,7 @@
     <mc:Choice Requires="p14">
       <p:transition/>
     </mc:Choice>
-    <mc:Fallback xmlns="" xmlns:c="http://schemas.openxmlformats.org/drawingml/2006/chart" xmlns:dgm="http://schemas.openxmlformats.org/drawingml/2006/diagram" xmlns:dsp="http://schemas.microsoft.com/office/drawing/2008/diagram">
+    <mc:Fallback xmlns:dsp="http://schemas.microsoft.com/office/drawing/2008/diagram" xmlns:dgm="http://schemas.openxmlformats.org/drawingml/2006/diagram" xmlns:c="http://schemas.openxmlformats.org/drawingml/2006/chart" xmlns="">
       <p:transition/>
     </mc:Fallback>
   </mc:AlternateContent>
@@ -22705,7 +22705,7 @@
     <mc:Choice Requires="p14">
       <p:transition/>
     </mc:Choice>
-    <mc:Fallback xmlns:dsp="http://schemas.microsoft.com/office/drawing/2008/diagram" xmlns:dgm="http://schemas.openxmlformats.org/drawingml/2006/diagram" xmlns:c="http://schemas.openxmlformats.org/drawingml/2006/chart" xmlns="">
+    <mc:Fallback xmlns="" xmlns:c="http://schemas.openxmlformats.org/drawingml/2006/chart" xmlns:dgm="http://schemas.openxmlformats.org/drawingml/2006/diagram" xmlns:dsp="http://schemas.microsoft.com/office/drawing/2008/diagram">
       <p:transition/>
     </mc:Fallback>
   </mc:AlternateContent>
@@ -24230,7 +24230,7 @@
     <mc:Choice Requires="p14">
       <p:transition/>
     </mc:Choice>
-    <mc:Fallback xmlns="" xmlns:c="http://schemas.openxmlformats.org/drawingml/2006/chart" xmlns:dgm="http://schemas.openxmlformats.org/drawingml/2006/diagram" xmlns:dsp="http://schemas.microsoft.com/office/drawing/2008/diagram">
+    <mc:Fallback xmlns:dsp="http://schemas.microsoft.com/office/drawing/2008/diagram" xmlns:dgm="http://schemas.openxmlformats.org/drawingml/2006/diagram" xmlns:c="http://schemas.openxmlformats.org/drawingml/2006/chart" xmlns="">
       <p:transition/>
     </mc:Fallback>
   </mc:AlternateContent>

--- a/v12.pptx
+++ b/v12.pptx
@@ -5731,7 +5731,7 @@
     <mc:Choice Requires="p14">
       <p:transition/>
     </mc:Choice>
-    <mc:Fallback xmlns="" xmlns:c="http://schemas.openxmlformats.org/drawingml/2006/chart" xmlns:dgm="http://schemas.openxmlformats.org/drawingml/2006/diagram" xmlns:dsp="http://schemas.microsoft.com/office/drawing/2008/diagram">
+    <mc:Fallback xmlns:dsp="http://schemas.microsoft.com/office/drawing/2008/diagram" xmlns:dgm="http://schemas.openxmlformats.org/drawingml/2006/diagram" xmlns:c="http://schemas.openxmlformats.org/drawingml/2006/chart" xmlns="">
       <p:transition/>
     </mc:Fallback>
   </mc:AlternateContent>
@@ -7216,7 +7216,7 @@
     <mc:Choice Requires="p14">
       <p:transition/>
     </mc:Choice>
-    <mc:Fallback xmlns="" xmlns:c="http://schemas.openxmlformats.org/drawingml/2006/chart" xmlns:dgm="http://schemas.openxmlformats.org/drawingml/2006/diagram" xmlns:dsp="http://schemas.microsoft.com/office/drawing/2008/diagram">
+    <mc:Fallback xmlns:dsp="http://schemas.microsoft.com/office/drawing/2008/diagram" xmlns:dgm="http://schemas.openxmlformats.org/drawingml/2006/diagram" xmlns:c="http://schemas.openxmlformats.org/drawingml/2006/chart" xmlns="">
       <p:transition/>
     </mc:Fallback>
   </mc:AlternateContent>
@@ -7282,7 +7282,7 @@
               <a:defRPr/>
             </a:pPr>
             <a:r>
-              <a:rPr lang="ko-KR" altLang="en-US" sz="1800" b="1">
+              <a:rPr lang="ko-KR" altLang="en-US" sz="1800" b="1" dirty="0" err="1">
                 <a:solidFill>
                   <a:schemeClr val="tx1">
                     <a:lumMod val="50000"/>
@@ -7295,6 +7295,17 @@
               </a:rPr>
               <a:t>타격감</a:t>
             </a:r>
+            <a:endParaRPr lang="ko-KR" altLang="en-US" sz="1800" b="1" dirty="0">
+              <a:solidFill>
+                <a:schemeClr val="tx1">
+                  <a:lumMod val="50000"/>
+                </a:schemeClr>
+              </a:solidFill>
+              <a:latin typeface="Lato"/>
+              <a:ea typeface="Lato"/>
+              <a:cs typeface="Lato"/>
+              <a:sym typeface="Lato"/>
+            </a:endParaRPr>
           </a:p>
           <a:p>
             <a:pPr marL="285750" lvl="0" indent="-285750" algn="l" rtl="0">
@@ -7309,7 +7320,7 @@
               <a:defRPr/>
             </a:pPr>
             <a:r>
-              <a:rPr lang="ko-KR" altLang="en-US" sz="1600" b="1">
+              <a:rPr lang="ko-KR" altLang="en-US" sz="1600" b="1" dirty="0">
                 <a:solidFill>
                   <a:schemeClr val="tx1">
                     <a:lumMod val="50000"/>
@@ -7336,7 +7347,7 @@
               <a:defRPr/>
             </a:pPr>
             <a:r>
-              <a:rPr lang="ko-KR" altLang="en-US" sz="1600" b="1">
+              <a:rPr lang="ko-KR" altLang="en-US" sz="1600" b="1" dirty="0">
                 <a:solidFill>
                   <a:schemeClr val="tx1">
                     <a:lumMod val="50000"/>
@@ -7350,7 +7361,7 @@
               <a:t>시</a:t>
             </a:r>
             <a:r>
-              <a:rPr lang="en-US" altLang="ko-KR" sz="1600" b="1">
+              <a:rPr lang="en-US" altLang="ko-KR" sz="1600" b="1" dirty="0">
                 <a:solidFill>
                   <a:schemeClr val="tx1">
                     <a:lumMod val="50000"/>
@@ -7364,7 +7375,7 @@
               <a:t>/</a:t>
             </a:r>
             <a:r>
-              <a:rPr lang="ko-KR" altLang="en-US" sz="1600" b="1">
+              <a:rPr lang="ko-KR" altLang="en-US" sz="1600" b="1" dirty="0">
                 <a:solidFill>
                   <a:schemeClr val="tx1">
                     <a:lumMod val="50000"/>
@@ -7390,7 +7401,7 @@
               <a:buChar char="-"/>
               <a:defRPr/>
             </a:pPr>
-            <a:endParaRPr lang="en-US" altLang="ko-KR" sz="1600" b="1">
+            <a:endParaRPr lang="en-US" altLang="ko-KR" sz="1600" b="1" dirty="0">
               <a:solidFill>
                 <a:schemeClr val="tx1">
                   <a:lumMod val="50000"/>
@@ -7410,7 +7421,7 @@
               <a:defRPr/>
             </a:pPr>
             <a:r>
-              <a:rPr lang="ko-KR" altLang="en-US" sz="1800" b="1">
+              <a:rPr lang="ko-KR" altLang="en-US" sz="1800" b="1" dirty="0">
                 <a:solidFill>
                   <a:schemeClr val="tx1">
                     <a:lumMod val="50000"/>
@@ -7434,7 +7445,7 @@
               <a:defRPr/>
             </a:pPr>
             <a:r>
-              <a:rPr lang="ko-KR" altLang="en-US" sz="1600" b="1">
+              <a:rPr lang="ko-KR" altLang="en-US" sz="1600" b="1" dirty="0" err="1">
                 <a:solidFill>
                   <a:schemeClr val="tx1">
                     <a:lumMod val="50000"/>
@@ -7445,7 +7456,21 @@
                 <a:cs typeface="Lato"/>
                 <a:sym typeface="Lato"/>
               </a:rPr>
-              <a:t>스키닝 애니메이션</a:t>
+              <a:t>스키닝</a:t>
+            </a:r>
+            <a:r>
+              <a:rPr lang="ko-KR" altLang="en-US" sz="1600" b="1" dirty="0">
+                <a:solidFill>
+                  <a:schemeClr val="tx1">
+                    <a:lumMod val="50000"/>
+                  </a:schemeClr>
+                </a:solidFill>
+                <a:latin typeface="Lato"/>
+                <a:ea typeface="Lato"/>
+                <a:cs typeface="Lato"/>
+                <a:sym typeface="Lato"/>
+              </a:rPr>
+              <a:t> 애니메이션</a:t>
             </a:r>
           </a:p>
         </p:txBody>
@@ -8011,7 +8036,7 @@
     <mc:Choice Requires="p14">
       <p:transition/>
     </mc:Choice>
-    <mc:Fallback xmlns="" xmlns:c="http://schemas.openxmlformats.org/drawingml/2006/chart" xmlns:dgm="http://schemas.openxmlformats.org/drawingml/2006/diagram" xmlns:dsp="http://schemas.microsoft.com/office/drawing/2008/diagram">
+    <mc:Fallback xmlns:dsp="http://schemas.microsoft.com/office/drawing/2008/diagram" xmlns:dgm="http://schemas.openxmlformats.org/drawingml/2006/diagram" xmlns:c="http://schemas.openxmlformats.org/drawingml/2006/chart" xmlns="">
       <p:transition/>
     </mc:Fallback>
   </mc:AlternateContent>
@@ -8417,7 +8442,7 @@
     <mc:Choice Requires="p14">
       <p:transition/>
     </mc:Choice>
-    <mc:Fallback xmlns="" xmlns:c="http://schemas.openxmlformats.org/drawingml/2006/chart" xmlns:dgm="http://schemas.openxmlformats.org/drawingml/2006/diagram" xmlns:dsp="http://schemas.microsoft.com/office/drawing/2008/diagram">
+    <mc:Fallback xmlns:dsp="http://schemas.microsoft.com/office/drawing/2008/diagram" xmlns:dgm="http://schemas.openxmlformats.org/drawingml/2006/diagram" xmlns:c="http://schemas.openxmlformats.org/drawingml/2006/chart" xmlns="">
       <p:transition/>
     </mc:Fallback>
   </mc:AlternateContent>
@@ -9668,7 +9693,7 @@
     <mc:Choice Requires="p14">
       <p:transition/>
     </mc:Choice>
-    <mc:Fallback xmlns:dsp="http://schemas.microsoft.com/office/drawing/2008/diagram" xmlns:dgm="http://schemas.openxmlformats.org/drawingml/2006/diagram" xmlns:c="http://schemas.openxmlformats.org/drawingml/2006/chart" xmlns="">
+    <mc:Fallback xmlns="" xmlns:c="http://schemas.openxmlformats.org/drawingml/2006/chart" xmlns:dgm="http://schemas.openxmlformats.org/drawingml/2006/diagram" xmlns:dsp="http://schemas.microsoft.com/office/drawing/2008/diagram">
       <p:transition/>
     </mc:Fallback>
   </mc:AlternateContent>
@@ -10340,7 +10365,7 @@
     <mc:Choice Requires="p14">
       <p:transition/>
     </mc:Choice>
-    <mc:Fallback xmlns="" xmlns:c="http://schemas.openxmlformats.org/drawingml/2006/chart" xmlns:dgm="http://schemas.openxmlformats.org/drawingml/2006/diagram" xmlns:dsp="http://schemas.microsoft.com/office/drawing/2008/diagram">
+    <mc:Fallback xmlns:dsp="http://schemas.microsoft.com/office/drawing/2008/diagram" xmlns:dgm="http://schemas.openxmlformats.org/drawingml/2006/diagram" xmlns:c="http://schemas.openxmlformats.org/drawingml/2006/chart" xmlns="">
       <p:transition/>
     </mc:Fallback>
   </mc:AlternateContent>
@@ -10614,7 +10639,7 @@
                         <a:defRPr/>
                       </a:pPr>
                       <a:r>
-                        <a:rPr lang="ko-KR" altLang="en-US">
+                        <a:rPr lang="ko-KR" altLang="en-US" dirty="0">
                           <a:latin typeface="+mj-ea"/>
                           <a:ea typeface="+mj-ea"/>
                         </a:rPr>
@@ -10785,21 +10810,21 @@
                         <a:defRPr/>
                       </a:pPr>
                       <a:r>
-                        <a:rPr lang="en-US" altLang="ko-KR">
+                        <a:rPr lang="en-US" altLang="ko-KR" dirty="0">
                           <a:latin typeface="+mj-ea"/>
                           <a:ea typeface="+mj-ea"/>
                         </a:rPr>
                         <a:t>C,</a:t>
                       </a:r>
                       <a:r>
-                        <a:rPr lang="en-US" altLang="ko-KR" baseline="0">
+                        <a:rPr lang="en-US" altLang="ko-KR" baseline="0" dirty="0">
                           <a:latin typeface="+mj-ea"/>
                           <a:ea typeface="+mj-ea"/>
                         </a:rPr>
                         <a:t> C++ </a:t>
                       </a:r>
                       <a:r>
-                        <a:rPr lang="ko-KR" altLang="en-US" baseline="0">
+                        <a:rPr lang="ko-KR" altLang="en-US" baseline="0" dirty="0">
                           <a:latin typeface="+mj-ea"/>
                           <a:ea typeface="+mj-ea"/>
                         </a:rPr>
@@ -10810,7 +10835,7 @@
                       <a:pPr algn="l" latinLnBrk="1">
                         <a:defRPr/>
                       </a:pPr>
-                      <a:endParaRPr lang="en-US" altLang="ko-KR" baseline="0">
+                      <a:endParaRPr lang="en-US" altLang="ko-KR" baseline="0" dirty="0">
                         <a:latin typeface="+mj-ea"/>
                         <a:ea typeface="+mj-ea"/>
                       </a:endParaRPr>
@@ -10820,14 +10845,14 @@
                         <a:defRPr/>
                       </a:pPr>
                       <a:r>
-                        <a:rPr lang="en-US" altLang="ko-KR" baseline="0">
+                        <a:rPr lang="en-US" altLang="ko-KR" baseline="0" dirty="0">
                           <a:latin typeface="+mj-ea"/>
                           <a:ea typeface="+mj-ea"/>
                         </a:rPr>
                         <a:t>STL </a:t>
                       </a:r>
                       <a:r>
-                        <a:rPr lang="ko-KR" altLang="en-US" baseline="0">
+                        <a:rPr lang="ko-KR" altLang="en-US" baseline="0" dirty="0">
                           <a:latin typeface="+mj-ea"/>
                           <a:ea typeface="+mj-ea"/>
                         </a:rPr>
@@ -10838,7 +10863,7 @@
                       <a:pPr algn="l" latinLnBrk="1">
                         <a:defRPr/>
                       </a:pPr>
-                      <a:endParaRPr lang="en-US" altLang="ko-KR" baseline="0">
+                      <a:endParaRPr lang="en-US" altLang="ko-KR" baseline="0" dirty="0">
                         <a:latin typeface="+mj-ea"/>
                         <a:ea typeface="+mj-ea"/>
                       </a:endParaRPr>
@@ -10848,28 +10873,28 @@
                         <a:defRPr/>
                       </a:pPr>
                       <a:r>
-                        <a:rPr lang="en-US" altLang="ko-KR" baseline="0">
+                        <a:rPr lang="en-US" altLang="ko-KR" baseline="0" dirty="0">
                           <a:latin typeface="+mj-ea"/>
                           <a:ea typeface="+mj-ea"/>
                         </a:rPr>
                         <a:t>3D </a:t>
                       </a:r>
                       <a:r>
-                        <a:rPr lang="ko-KR" altLang="en-US" baseline="0">
+                        <a:rPr lang="ko-KR" altLang="en-US" baseline="0" dirty="0">
                           <a:latin typeface="+mj-ea"/>
                           <a:ea typeface="+mj-ea"/>
                         </a:rPr>
                         <a:t>게임 프로그래밍</a:t>
                       </a:r>
                       <a:r>
-                        <a:rPr lang="en-US" altLang="ko-KR" baseline="0">
+                        <a:rPr lang="en-US" altLang="ko-KR" baseline="0" dirty="0">
                           <a:latin typeface="+mj-ea"/>
                           <a:ea typeface="+mj-ea"/>
                         </a:rPr>
                         <a:t>1,2 </a:t>
                       </a:r>
                       <a:r>
-                        <a:rPr lang="ko-KR" altLang="en-US" baseline="0">
+                        <a:rPr lang="ko-KR" altLang="en-US" baseline="0" dirty="0">
                           <a:latin typeface="+mj-ea"/>
                           <a:ea typeface="+mj-ea"/>
                         </a:rPr>
@@ -10880,7 +10905,7 @@
                       <a:pPr algn="l" latinLnBrk="1">
                         <a:defRPr/>
                       </a:pPr>
-                      <a:endParaRPr lang="en-US" altLang="ko-KR" baseline="0">
+                      <a:endParaRPr lang="en-US" altLang="ko-KR" baseline="0" dirty="0">
                         <a:latin typeface="+mj-ea"/>
                         <a:ea typeface="+mj-ea"/>
                       </a:endParaRPr>
@@ -10890,13 +10915,13 @@
                         <a:defRPr/>
                       </a:pPr>
                       <a:r>
-                        <a:rPr lang="ko-KR" altLang="en-US">
+                        <a:rPr lang="ko-KR" altLang="en-US" dirty="0">
                           <a:latin typeface="+mj-ea"/>
                           <a:ea typeface="+mj-ea"/>
                         </a:rPr>
                         <a:t>네트워크 게임 프로그래밍 수강</a:t>
                       </a:r>
-                      <a:endParaRPr lang="en-US" altLang="ko-KR">
+                      <a:endParaRPr lang="en-US" altLang="ko-KR" dirty="0">
                         <a:latin typeface="+mj-ea"/>
                         <a:ea typeface="+mj-ea"/>
                       </a:endParaRPr>
@@ -10950,14 +10975,14 @@
                         <a:defRPr/>
                       </a:pPr>
                       <a:r>
-                        <a:rPr lang="en-US" altLang="ko-KR">
+                        <a:rPr lang="en-US" altLang="ko-KR" dirty="0">
                           <a:latin typeface="+mj-ea"/>
                           <a:ea typeface="+mj-ea"/>
                         </a:rPr>
                         <a:t>C, C++ </a:t>
                       </a:r>
                       <a:r>
-                        <a:rPr lang="ko-KR" altLang="en-US">
+                        <a:rPr lang="ko-KR" altLang="en-US" dirty="0">
                           <a:latin typeface="+mj-ea"/>
                           <a:ea typeface="+mj-ea"/>
                         </a:rPr>
@@ -10968,7 +10993,7 @@
                       <a:pPr algn="l" latinLnBrk="1">
                         <a:defRPr/>
                       </a:pPr>
-                      <a:endParaRPr lang="en-US" altLang="ko-KR">
+                      <a:endParaRPr lang="en-US" altLang="ko-KR" dirty="0">
                         <a:latin typeface="+mj-ea"/>
                         <a:ea typeface="+mj-ea"/>
                       </a:endParaRPr>
@@ -10978,21 +11003,21 @@
                         <a:defRPr/>
                       </a:pPr>
                       <a:r>
-                        <a:rPr lang="en-US" altLang="ko-KR">
+                        <a:rPr lang="en-US" altLang="ko-KR" dirty="0">
                           <a:latin typeface="+mj-ea"/>
                           <a:ea typeface="+mj-ea"/>
                         </a:rPr>
                         <a:t>STL</a:t>
                       </a:r>
                       <a:r>
-                        <a:rPr lang="en-US" altLang="ko-KR" baseline="0">
+                        <a:rPr lang="en-US" altLang="ko-KR" baseline="0" dirty="0">
                           <a:latin typeface="+mj-ea"/>
                           <a:ea typeface="+mj-ea"/>
                         </a:rPr>
                         <a:t> </a:t>
                       </a:r>
                       <a:r>
-                        <a:rPr lang="ko-KR" altLang="en-US" baseline="0">
+                        <a:rPr lang="ko-KR" altLang="en-US" baseline="0" dirty="0">
                           <a:latin typeface="+mj-ea"/>
                           <a:ea typeface="+mj-ea"/>
                         </a:rPr>
@@ -11003,7 +11028,7 @@
                       <a:pPr algn="l" latinLnBrk="1">
                         <a:defRPr/>
                       </a:pPr>
-                      <a:endParaRPr lang="en-US" altLang="ko-KR" baseline="0">
+                      <a:endParaRPr lang="en-US" altLang="ko-KR" baseline="0" dirty="0">
                         <a:latin typeface="+mj-ea"/>
                         <a:ea typeface="+mj-ea"/>
                       </a:endParaRPr>
@@ -11013,28 +11038,28 @@
                         <a:defRPr/>
                       </a:pPr>
                       <a:r>
-                        <a:rPr lang="en-US" altLang="ko-KR" baseline="0">
+                        <a:rPr lang="en-US" altLang="ko-KR" baseline="0" dirty="0">
                           <a:latin typeface="+mj-ea"/>
                           <a:ea typeface="+mj-ea"/>
                         </a:rPr>
                         <a:t>3D </a:t>
                       </a:r>
                       <a:r>
-                        <a:rPr lang="ko-KR" altLang="en-US" baseline="0">
+                        <a:rPr lang="ko-KR" altLang="en-US" baseline="0" dirty="0">
                           <a:latin typeface="+mj-ea"/>
                           <a:ea typeface="+mj-ea"/>
                         </a:rPr>
                         <a:t>게임 프로그래밍</a:t>
                       </a:r>
                       <a:r>
-                        <a:rPr lang="en-US" altLang="ko-KR" baseline="0">
+                        <a:rPr lang="en-US" altLang="ko-KR" baseline="0" dirty="0">
                           <a:latin typeface="+mj-ea"/>
                           <a:ea typeface="+mj-ea"/>
                         </a:rPr>
                         <a:t>2 </a:t>
                       </a:r>
                       <a:r>
-                        <a:rPr lang="ko-KR" altLang="en-US" baseline="0">
+                        <a:rPr lang="ko-KR" altLang="en-US" baseline="0" dirty="0">
                           <a:latin typeface="+mj-ea"/>
                           <a:ea typeface="+mj-ea"/>
                         </a:rPr>
@@ -11045,7 +11070,7 @@
                       <a:pPr algn="l" latinLnBrk="1">
                         <a:defRPr/>
                       </a:pPr>
-                      <a:endParaRPr lang="en-US" altLang="ko-KR" baseline="0">
+                      <a:endParaRPr lang="en-US" altLang="ko-KR" baseline="0" dirty="0">
                         <a:latin typeface="+mj-ea"/>
                         <a:ea typeface="+mj-ea"/>
                       </a:endParaRPr>
@@ -11055,34 +11080,34 @@
                         <a:defRPr/>
                       </a:pPr>
                       <a:r>
-                        <a:rPr lang="en-US" altLang="ko-KR" baseline="0">
+                        <a:rPr lang="en-US" altLang="ko-KR" baseline="0" dirty="0">
                           <a:latin typeface="+mj-ea"/>
                           <a:ea typeface="+mj-ea"/>
                         </a:rPr>
                         <a:t>3D </a:t>
                       </a:r>
                       <a:r>
-                        <a:rPr lang="ko-KR" altLang="en-US" baseline="0">
+                        <a:rPr lang="ko-KR" altLang="en-US" baseline="0" dirty="0">
                           <a:latin typeface="+mj-ea"/>
                           <a:ea typeface="+mj-ea"/>
                         </a:rPr>
                         <a:t>모델링 </a:t>
                       </a:r>
                       <a:r>
-                        <a:rPr lang="en-US" altLang="ko-KR" baseline="0">
+                        <a:rPr lang="en-US" altLang="ko-KR" baseline="0" dirty="0">
                           <a:latin typeface="+mj-ea"/>
                           <a:ea typeface="+mj-ea"/>
                         </a:rPr>
                         <a:t>1 </a:t>
                       </a:r>
                       <a:r>
-                        <a:rPr lang="ko-KR" altLang="en-US" baseline="0">
+                        <a:rPr lang="ko-KR" altLang="en-US" baseline="0" dirty="0">
                           <a:latin typeface="+mj-ea"/>
                           <a:ea typeface="+mj-ea"/>
                         </a:rPr>
                         <a:t>수강</a:t>
                       </a:r>
-                      <a:endParaRPr lang="en-US" altLang="ko-KR" baseline="0">
+                      <a:endParaRPr lang="en-US" altLang="ko-KR" baseline="0" dirty="0">
                         <a:latin typeface="+mj-ea"/>
                         <a:ea typeface="+mj-ea"/>
                       </a:endParaRPr>
@@ -11136,14 +11161,14 @@
                         <a:defRPr/>
                       </a:pPr>
                       <a:r>
-                        <a:rPr lang="en-US" altLang="ko-KR">
+                        <a:rPr lang="en-US" altLang="ko-KR" dirty="0">
                           <a:latin typeface="+mj-ea"/>
                           <a:ea typeface="+mj-ea"/>
                         </a:rPr>
                         <a:t>C, C++ </a:t>
                       </a:r>
                       <a:r>
-                        <a:rPr lang="ko-KR" altLang="en-US">
+                        <a:rPr lang="ko-KR" altLang="en-US" dirty="0">
                           <a:latin typeface="+mj-ea"/>
                           <a:ea typeface="+mj-ea"/>
                         </a:rPr>
@@ -11154,7 +11179,7 @@
                       <a:pPr algn="l" latinLnBrk="1">
                         <a:defRPr/>
                       </a:pPr>
-                      <a:endParaRPr lang="en-US" altLang="ko-KR">
+                      <a:endParaRPr lang="en-US" altLang="ko-KR" dirty="0">
                         <a:latin typeface="+mj-ea"/>
                         <a:ea typeface="+mj-ea"/>
                       </a:endParaRPr>
@@ -11164,35 +11189,35 @@
                         <a:defRPr/>
                       </a:pPr>
                       <a:r>
-                        <a:rPr lang="en-US" altLang="ko-KR">
+                        <a:rPr lang="en-US" altLang="ko-KR" dirty="0">
                           <a:latin typeface="+mj-ea"/>
                           <a:ea typeface="+mj-ea"/>
                         </a:rPr>
                         <a:t>3D</a:t>
                       </a:r>
                       <a:r>
-                        <a:rPr lang="en-US" altLang="ko-KR" baseline="0">
+                        <a:rPr lang="en-US" altLang="ko-KR" baseline="0" dirty="0">
                           <a:latin typeface="+mj-ea"/>
                           <a:ea typeface="+mj-ea"/>
                         </a:rPr>
                         <a:t> </a:t>
                       </a:r>
                       <a:r>
-                        <a:rPr lang="ko-KR" altLang="en-US" baseline="0">
+                        <a:rPr lang="ko-KR" altLang="en-US" baseline="0" dirty="0">
                           <a:latin typeface="+mj-ea"/>
                           <a:ea typeface="+mj-ea"/>
                         </a:rPr>
                         <a:t>게임 프로그래밍</a:t>
                       </a:r>
                       <a:r>
-                        <a:rPr lang="en-US" altLang="ko-KR" baseline="0">
+                        <a:rPr lang="en-US" altLang="ko-KR" baseline="0" dirty="0">
                           <a:latin typeface="+mj-ea"/>
                           <a:ea typeface="+mj-ea"/>
                         </a:rPr>
                         <a:t>1,2 </a:t>
                       </a:r>
                       <a:r>
-                        <a:rPr lang="ko-KR" altLang="en-US" baseline="0">
+                        <a:rPr lang="ko-KR" altLang="en-US" baseline="0" dirty="0">
                           <a:latin typeface="+mj-ea"/>
                           <a:ea typeface="+mj-ea"/>
                         </a:rPr>
@@ -11203,7 +11228,7 @@
                       <a:pPr algn="l" latinLnBrk="1">
                         <a:defRPr/>
                       </a:pPr>
-                      <a:endParaRPr lang="en-US" altLang="ko-KR" baseline="0">
+                      <a:endParaRPr lang="en-US" altLang="ko-KR" baseline="0" dirty="0">
                         <a:latin typeface="+mj-ea"/>
                         <a:ea typeface="+mj-ea"/>
                       </a:endParaRPr>
@@ -11213,7 +11238,7 @@
                         <a:defRPr/>
                       </a:pPr>
                       <a:r>
-                        <a:rPr lang="ko-KR" altLang="en-US" baseline="0">
+                        <a:rPr lang="ko-KR" altLang="en-US" baseline="0" dirty="0">
                           <a:latin typeface="+mj-ea"/>
                           <a:ea typeface="+mj-ea"/>
                         </a:rPr>
@@ -11224,7 +11249,7 @@
                       <a:pPr algn="l" latinLnBrk="1">
                         <a:defRPr/>
                       </a:pPr>
-                      <a:endParaRPr lang="en-US" altLang="ko-KR" baseline="0">
+                      <a:endParaRPr lang="en-US" altLang="ko-KR" baseline="0" dirty="0">
                         <a:latin typeface="+mj-ea"/>
                         <a:ea typeface="+mj-ea"/>
                       </a:endParaRPr>
@@ -11233,7 +11258,7 @@
                       <a:pPr algn="l" latinLnBrk="1">
                         <a:defRPr/>
                       </a:pPr>
-                      <a:endParaRPr lang="ko-KR" altLang="en-US">
+                      <a:endParaRPr lang="ko-KR" altLang="en-US" dirty="0">
                         <a:latin typeface="+mj-ea"/>
                         <a:ea typeface="+mj-ea"/>
                       </a:endParaRPr>
@@ -11292,7 +11317,7 @@
     <mc:Choice Requires="p14">
       <p:transition/>
     </mc:Choice>
-    <mc:Fallback xmlns:dsp="http://schemas.microsoft.com/office/drawing/2008/diagram" xmlns:dgm="http://schemas.openxmlformats.org/drawingml/2006/diagram" xmlns:c="http://schemas.openxmlformats.org/drawingml/2006/chart" xmlns="">
+    <mc:Fallback xmlns="" xmlns:c="http://schemas.openxmlformats.org/drawingml/2006/chart" xmlns:dgm="http://schemas.openxmlformats.org/drawingml/2006/diagram" xmlns:dsp="http://schemas.microsoft.com/office/drawing/2008/diagram">
       <p:transition/>
     </mc:Fallback>
   </mc:AlternateContent>
@@ -13175,7 +13200,7 @@
     <mc:Choice Requires="p14">
       <p:transition/>
     </mc:Choice>
-    <mc:Fallback xmlns:dsp="http://schemas.microsoft.com/office/drawing/2008/diagram" xmlns:dgm="http://schemas.openxmlformats.org/drawingml/2006/diagram" xmlns:c="http://schemas.openxmlformats.org/drawingml/2006/chart" xmlns="">
+    <mc:Fallback xmlns="" xmlns:c="http://schemas.openxmlformats.org/drawingml/2006/chart" xmlns:dgm="http://schemas.openxmlformats.org/drawingml/2006/diagram" xmlns:dsp="http://schemas.microsoft.com/office/drawing/2008/diagram">
       <p:transition/>
     </mc:Fallback>
   </mc:AlternateContent>
@@ -14082,7 +14107,7 @@
       </p:sp>
       <p:pic>
         <p:nvPicPr>
-          <p:cNvPr id="1025" name="Picture 1" descr="C:\Users\박찬휘\Desktop\unknown.png"/>
+          <p:cNvPr id="1031" name="Picture 7" descr="C:\Users\박찬휘\Desktop\unknown.png"/>
           <p:cNvPicPr>
             <a:picLocks noChangeAspect="1" noChangeArrowheads="1"/>
           </p:cNvPicPr>
@@ -14103,18 +14128,13 @@
         </p:blipFill>
         <p:spPr bwMode="auto">
           <a:xfrm>
-            <a:off x="893700" y="1408180"/>
-            <a:ext cx="3957042" cy="3446456"/>
+            <a:off x="893700" y="1347614"/>
+            <a:ext cx="5850833" cy="3592336"/>
           </a:xfrm>
           <a:prstGeom prst="rect">
             <a:avLst/>
           </a:prstGeom>
           <a:noFill/>
-          <a:ln w="3175">
-            <a:solidFill>
-              <a:schemeClr val="tx1"/>
-            </a:solidFill>
-          </a:ln>
           <a:extLst>
             <a:ext uri="{909E8E84-426E-40DD-AFC4-6F175D3DCCD1}">
               <a14:hiddenFill xmlns:a14="http://schemas.microsoft.com/office/drawing/2010/main">
@@ -14135,7 +14155,7 @@
     <mc:Choice Requires="p14">
       <p:transition/>
     </mc:Choice>
-    <mc:Fallback xmlns:dsp="http://schemas.microsoft.com/office/drawing/2008/diagram" xmlns:dgm="http://schemas.openxmlformats.org/drawingml/2006/diagram" xmlns:c="http://schemas.openxmlformats.org/drawingml/2006/chart" xmlns="">
+    <mc:Fallback xmlns="" xmlns:c="http://schemas.openxmlformats.org/drawingml/2006/chart" xmlns:dgm="http://schemas.openxmlformats.org/drawingml/2006/diagram" xmlns:dsp="http://schemas.microsoft.com/office/drawing/2008/diagram">
       <p:transition/>
     </mc:Fallback>
   </mc:AlternateContent>
@@ -15932,7 +15952,7 @@
     <mc:Choice Requires="p14">
       <p:transition/>
     </mc:Choice>
-    <mc:Fallback xmlns:dsp="http://schemas.microsoft.com/office/drawing/2008/diagram" xmlns:dgm="http://schemas.openxmlformats.org/drawingml/2006/diagram" xmlns:c="http://schemas.openxmlformats.org/drawingml/2006/chart" xmlns="">
+    <mc:Fallback xmlns="" xmlns:c="http://schemas.openxmlformats.org/drawingml/2006/chart" xmlns:dgm="http://schemas.openxmlformats.org/drawingml/2006/diagram" xmlns:dsp="http://schemas.microsoft.com/office/drawing/2008/diagram">
       <p:transition/>
     </mc:Fallback>
   </mc:AlternateContent>
@@ -16503,7 +16523,7 @@
     <mc:Choice Requires="p14">
       <p:transition/>
     </mc:Choice>
-    <mc:Fallback xmlns="" xmlns:c="http://schemas.openxmlformats.org/drawingml/2006/chart" xmlns:dgm="http://schemas.openxmlformats.org/drawingml/2006/diagram" xmlns:dsp="http://schemas.microsoft.com/office/drawing/2008/diagram">
+    <mc:Fallback xmlns:dsp="http://schemas.microsoft.com/office/drawing/2008/diagram" xmlns:dgm="http://schemas.openxmlformats.org/drawingml/2006/diagram" xmlns:c="http://schemas.openxmlformats.org/drawingml/2006/chart" xmlns="">
       <p:transition/>
     </mc:Fallback>
   </mc:AlternateContent>
@@ -16665,7 +16685,7 @@
               <a:defRPr/>
             </a:pPr>
             <a:r>
-              <a:rPr lang="en-US" altLang="ko-KR" sz="1800" b="1">
+              <a:rPr lang="en-US" altLang="ko-KR" sz="1800" b="1" dirty="0">
                 <a:solidFill>
                   <a:schemeClr val="tx1">
                     <a:lumMod val="50000"/>
@@ -16679,7 +16699,7 @@
               <a:t>1</a:t>
             </a:r>
             <a:r>
-              <a:rPr lang="ko-KR" altLang="en-US" sz="1800" b="1">
+              <a:rPr lang="ko-KR" altLang="en-US" sz="1800" b="1" dirty="0">
                 <a:solidFill>
                   <a:schemeClr val="tx1">
                     <a:lumMod val="50000"/>
@@ -16693,7 +16713,7 @@
               <a:t>대</a:t>
             </a:r>
             <a:r>
-              <a:rPr lang="en-US" altLang="ko-KR" sz="1800" b="1">
+              <a:rPr lang="en-US" altLang="ko-KR" sz="1800" b="1" dirty="0">
                 <a:solidFill>
                   <a:schemeClr val="tx1">
                     <a:lumMod val="50000"/>
@@ -16707,7 +16727,7 @@
               <a:t>1 3D </a:t>
             </a:r>
             <a:r>
-              <a:rPr lang="ko-KR" altLang="en-US" sz="1800" b="1">
+              <a:rPr lang="ko-KR" altLang="en-US" sz="1800" b="1" dirty="0">
                 <a:solidFill>
                   <a:schemeClr val="tx1">
                     <a:lumMod val="50000"/>
@@ -16721,7 +16741,7 @@
               <a:t>복싱</a:t>
             </a:r>
             <a:r>
-              <a:rPr lang="en-US" altLang="ko-KR" sz="1800" b="1">
+              <a:rPr lang="en-US" altLang="ko-KR" sz="1800" b="1" dirty="0">
                 <a:solidFill>
                   <a:schemeClr val="tx1">
                     <a:lumMod val="50000"/>
@@ -16735,7 +16755,7 @@
               <a:t> </a:t>
             </a:r>
             <a:r>
-              <a:rPr lang="ko-KR" altLang="en-US" sz="1800" b="1">
+              <a:rPr lang="ko-KR" altLang="en-US" sz="1800" b="1" dirty="0">
                 <a:solidFill>
                   <a:schemeClr val="tx1">
                     <a:lumMod val="50000"/>
@@ -16762,7 +16782,7 @@
               <a:defRPr/>
             </a:pPr>
             <a:r>
-              <a:rPr lang="en-US" altLang="ko-KR" sz="1800" b="1">
+              <a:rPr lang="en-US" altLang="ko-KR" sz="1800" b="1" dirty="0">
                 <a:solidFill>
                   <a:schemeClr val="tx1">
                     <a:lumMod val="50000"/>
@@ -16776,7 +16796,7 @@
               <a:t>3D </a:t>
             </a:r>
             <a:r>
-              <a:rPr lang="ko-KR" altLang="en-US" sz="1800" b="1">
+              <a:rPr lang="ko-KR" altLang="en-US" sz="1800" b="1" dirty="0" err="1">
                 <a:solidFill>
                   <a:schemeClr val="tx1">
                     <a:lumMod val="50000"/>
@@ -16787,7 +16807,49 @@
                 <a:cs typeface="Lato"/>
                 <a:sym typeface="Lato"/>
               </a:rPr>
-              <a:t>타격감 관련 논문 부족에 따른 타격감 연구</a:t>
+              <a:t>타격감</a:t>
+            </a:r>
+            <a:r>
+              <a:rPr lang="ko-KR" altLang="en-US" sz="1800" b="1" dirty="0">
+                <a:solidFill>
+                  <a:schemeClr val="tx1">
+                    <a:lumMod val="50000"/>
+                  </a:schemeClr>
+                </a:solidFill>
+                <a:latin typeface="Lato"/>
+                <a:ea typeface="Lato"/>
+                <a:cs typeface="Lato"/>
+                <a:sym typeface="Lato"/>
+              </a:rPr>
+              <a:t> 관련 논문 부족에 따른 </a:t>
+            </a:r>
+            <a:r>
+              <a:rPr lang="ko-KR" altLang="en-US" sz="1800" b="1" dirty="0" err="1">
+                <a:solidFill>
+                  <a:schemeClr val="tx1">
+                    <a:lumMod val="50000"/>
+                  </a:schemeClr>
+                </a:solidFill>
+                <a:latin typeface="Lato"/>
+                <a:ea typeface="Lato"/>
+                <a:cs typeface="Lato"/>
+                <a:sym typeface="Lato"/>
+              </a:rPr>
+              <a:t>타격감</a:t>
+            </a:r>
+            <a:r>
+              <a:rPr lang="ko-KR" altLang="en-US" sz="1800" b="1" dirty="0">
+                <a:solidFill>
+                  <a:schemeClr val="tx1">
+                    <a:lumMod val="50000"/>
+                  </a:schemeClr>
+                </a:solidFill>
+                <a:latin typeface="Lato"/>
+                <a:ea typeface="Lato"/>
+                <a:cs typeface="Lato"/>
+                <a:sym typeface="Lato"/>
+              </a:rPr>
+              <a:t> 연구</a:t>
             </a:r>
           </a:p>
         </p:txBody>
@@ -16871,7 +16933,7 @@
     <mc:Choice Requires="p14">
       <p:transition/>
     </mc:Choice>
-    <mc:Fallback xmlns="" xmlns:c="http://schemas.openxmlformats.org/drawingml/2006/chart" xmlns:dgm="http://schemas.openxmlformats.org/drawingml/2006/diagram" xmlns:dsp="http://schemas.microsoft.com/office/drawing/2008/diagram">
+    <mc:Fallback xmlns:dsp="http://schemas.microsoft.com/office/drawing/2008/diagram" xmlns:dgm="http://schemas.openxmlformats.org/drawingml/2006/diagram" xmlns:c="http://schemas.openxmlformats.org/drawingml/2006/chart" xmlns="">
       <p:transition/>
     </mc:Fallback>
   </mc:AlternateContent>
@@ -17285,7 +17347,7 @@
     <mc:Choice Requires="p14">
       <p:transition/>
     </mc:Choice>
-    <mc:Fallback xmlns="" xmlns:c="http://schemas.openxmlformats.org/drawingml/2006/chart" xmlns:dgm="http://schemas.openxmlformats.org/drawingml/2006/diagram" xmlns:dsp="http://schemas.microsoft.com/office/drawing/2008/diagram">
+    <mc:Fallback xmlns:dsp="http://schemas.microsoft.com/office/drawing/2008/diagram" xmlns:dgm="http://schemas.openxmlformats.org/drawingml/2006/diagram" xmlns:c="http://schemas.openxmlformats.org/drawingml/2006/chart" xmlns="">
       <p:transition/>
     </mc:Fallback>
   </mc:AlternateContent>
@@ -18029,7 +18091,7 @@
     <mc:Choice Requires="p14">
       <p:transition/>
     </mc:Choice>
-    <mc:Fallback xmlns="" xmlns:c="http://schemas.openxmlformats.org/drawingml/2006/chart" xmlns:dgm="http://schemas.openxmlformats.org/drawingml/2006/diagram" xmlns:dsp="http://schemas.microsoft.com/office/drawing/2008/diagram">
+    <mc:Fallback xmlns:dsp="http://schemas.microsoft.com/office/drawing/2008/diagram" xmlns:dgm="http://schemas.openxmlformats.org/drawingml/2006/diagram" xmlns:c="http://schemas.openxmlformats.org/drawingml/2006/chart" xmlns="">
       <p:transition/>
     </mc:Fallback>
   </mc:AlternateContent>
@@ -19943,7 +20005,7 @@
     <mc:Choice Requires="p14">
       <p:transition/>
     </mc:Choice>
-    <mc:Fallback xmlns="" xmlns:c="http://schemas.openxmlformats.org/drawingml/2006/chart" xmlns:dgm="http://schemas.openxmlformats.org/drawingml/2006/diagram" xmlns:dsp="http://schemas.microsoft.com/office/drawing/2008/diagram">
+    <mc:Fallback xmlns:dsp="http://schemas.microsoft.com/office/drawing/2008/diagram" xmlns:dgm="http://schemas.openxmlformats.org/drawingml/2006/diagram" xmlns:c="http://schemas.openxmlformats.org/drawingml/2006/chart" xmlns="">
       <p:transition/>
     </mc:Fallback>
   </mc:AlternateContent>
@@ -21026,7 +21088,7 @@
     <mc:Choice Requires="p14">
       <p:transition/>
     </mc:Choice>
-    <mc:Fallback xmlns:dsp="http://schemas.microsoft.com/office/drawing/2008/diagram" xmlns:dgm="http://schemas.openxmlformats.org/drawingml/2006/diagram" xmlns:c="http://schemas.openxmlformats.org/drawingml/2006/chart" xmlns="">
+    <mc:Fallback xmlns="" xmlns:c="http://schemas.openxmlformats.org/drawingml/2006/chart" xmlns:dgm="http://schemas.openxmlformats.org/drawingml/2006/diagram" xmlns:dsp="http://schemas.microsoft.com/office/drawing/2008/diagram">
       <p:transition/>
     </mc:Fallback>
   </mc:AlternateContent>
@@ -21461,7 +21523,7 @@
                         <a:defRPr/>
                       </a:pPr>
                       <a:r>
-                        <a:rPr lang="ko-KR" altLang="en-US">
+                        <a:rPr lang="ko-KR" altLang="en-US" dirty="0">
                           <a:solidFill>
                             <a:srgbClr val="000000"/>
                           </a:solidFill>
@@ -22468,7 +22530,7 @@
                         <a:defRPr/>
                       </a:pPr>
                       <a:r>
-                        <a:rPr lang="en-US" altLang="ko-KR">
+                        <a:rPr lang="en-US" altLang="ko-KR" dirty="0">
                           <a:solidFill>
                             <a:srgbClr val="000000"/>
                           </a:solidFill>
@@ -22478,7 +22540,7 @@
                         <a:t>Idle, </a:t>
                       </a:r>
                       <a:r>
-                        <a:rPr lang="ko-KR" altLang="en-US">
+                        <a:rPr lang="ko-KR" altLang="en-US" dirty="0">
                           <a:solidFill>
                             <a:srgbClr val="000000"/>
                           </a:solidFill>
@@ -22488,7 +22550,7 @@
                         <a:t>가드</a:t>
                       </a:r>
                       <a:r>
-                        <a:rPr lang="en-US" altLang="ko-KR">
+                        <a:rPr lang="en-US" altLang="ko-KR" dirty="0">
                           <a:solidFill>
                             <a:srgbClr val="000000"/>
                           </a:solidFill>
@@ -22498,7 +22560,7 @@
                         <a:t>, </a:t>
                       </a:r>
                       <a:r>
-                        <a:rPr lang="ko-KR" altLang="en-US">
+                        <a:rPr lang="ko-KR" altLang="en-US" dirty="0">
                           <a:solidFill>
                             <a:srgbClr val="000000"/>
                           </a:solidFill>
@@ -22508,7 +22570,7 @@
                         <a:t>이동</a:t>
                       </a:r>
                       <a:r>
-                        <a:rPr lang="en-US" altLang="ko-KR">
+                        <a:rPr lang="en-US" altLang="ko-KR" dirty="0">
                           <a:solidFill>
                             <a:srgbClr val="000000"/>
                           </a:solidFill>
@@ -22518,7 +22580,7 @@
                         <a:t>, </a:t>
                       </a:r>
                       <a:r>
-                        <a:rPr lang="ko-KR" altLang="en-US">
+                        <a:rPr lang="ko-KR" altLang="en-US" dirty="0" err="1">
                           <a:solidFill>
                             <a:srgbClr val="000000"/>
                           </a:solidFill>
@@ -22527,13 +22589,20 @@
                         </a:rPr>
                         <a:t>위빙</a:t>
                       </a:r>
+                      <a:endParaRPr lang="ko-KR" altLang="en-US" dirty="0">
+                        <a:solidFill>
+                          <a:srgbClr val="000000"/>
+                        </a:solidFill>
+                        <a:latin typeface="+mj-ea"/>
+                        <a:ea typeface="+mj-ea"/>
+                      </a:endParaRPr>
                     </a:p>
                     <a:p>
                       <a:pPr latinLnBrk="1">
                         <a:defRPr/>
                       </a:pPr>
                       <a:r>
-                        <a:rPr lang="ko-KR" altLang="en-US">
+                        <a:rPr lang="ko-KR" altLang="en-US" dirty="0">
                           <a:solidFill>
                             <a:srgbClr val="000000"/>
                           </a:solidFill>
@@ -22543,7 +22612,7 @@
                         <a:t>공격</a:t>
                       </a:r>
                       <a:r>
-                        <a:rPr lang="en-US" altLang="ko-KR" baseline="0">
+                        <a:rPr lang="en-US" altLang="ko-KR" baseline="0" dirty="0">
                           <a:solidFill>
                             <a:srgbClr val="000000"/>
                           </a:solidFill>
@@ -22553,7 +22622,7 @@
                         <a:t> </a:t>
                       </a:r>
                       <a:r>
-                        <a:rPr lang="ko-KR" altLang="en-US" baseline="0">
+                        <a:rPr lang="ko-KR" altLang="en-US" baseline="0" dirty="0">
                           <a:solidFill>
                             <a:srgbClr val="000000"/>
                           </a:solidFill>
@@ -22568,7 +22637,7 @@
                         <a:defRPr/>
                       </a:pPr>
                       <a:r>
-                        <a:rPr lang="ko-KR" altLang="en-US">
+                        <a:rPr lang="ko-KR" altLang="en-US" dirty="0">
                           <a:solidFill>
                             <a:srgbClr val="000000"/>
                           </a:solidFill>
@@ -22578,7 +22647,7 @@
                         <a:t>피격</a:t>
                       </a:r>
                       <a:r>
-                        <a:rPr lang="en-US" altLang="ko-KR">
+                        <a:rPr lang="en-US" altLang="ko-KR" dirty="0">
                           <a:solidFill>
                             <a:srgbClr val="000000"/>
                           </a:solidFill>
@@ -22588,7 +22657,7 @@
                         <a:t>,</a:t>
                       </a:r>
                       <a:r>
-                        <a:rPr lang="en-US" altLang="ko-KR" baseline="0">
+                        <a:rPr lang="en-US" altLang="ko-KR" baseline="0" dirty="0">
                           <a:solidFill>
                             <a:srgbClr val="000000"/>
                           </a:solidFill>
@@ -22598,7 +22667,7 @@
                         <a:t> </a:t>
                       </a:r>
                       <a:r>
-                        <a:rPr lang="ko-KR" altLang="en-US" baseline="0">
+                        <a:rPr lang="ko-KR" altLang="en-US" baseline="0" dirty="0">
                           <a:solidFill>
                             <a:srgbClr val="000000"/>
                           </a:solidFill>
@@ -22608,7 +22677,7 @@
                         <a:t>다운</a:t>
                       </a:r>
                       <a:r>
-                        <a:rPr lang="en-US" altLang="ko-KR" baseline="0">
+                        <a:rPr lang="en-US" altLang="ko-KR" baseline="0" dirty="0">
                           <a:solidFill>
                             <a:srgbClr val="000000"/>
                           </a:solidFill>
@@ -22617,7 +22686,7 @@
                         </a:rPr>
                         <a:t>, K.O.</a:t>
                       </a:r>
-                      <a:endParaRPr lang="ko-KR" altLang="en-US">
+                      <a:endParaRPr lang="ko-KR" altLang="en-US" dirty="0">
                         <a:solidFill>
                           <a:srgbClr val="000000"/>
                         </a:solidFill>
@@ -22705,7 +22774,7 @@
     <mc:Choice Requires="p14">
       <p:transition/>
     </mc:Choice>
-    <mc:Fallback xmlns="" xmlns:c="http://schemas.openxmlformats.org/drawingml/2006/chart" xmlns:dgm="http://schemas.openxmlformats.org/drawingml/2006/diagram" xmlns:dsp="http://schemas.microsoft.com/office/drawing/2008/diagram">
+    <mc:Fallback xmlns:dsp="http://schemas.microsoft.com/office/drawing/2008/diagram" xmlns:dgm="http://schemas.openxmlformats.org/drawingml/2006/diagram" xmlns:c="http://schemas.openxmlformats.org/drawingml/2006/chart" xmlns="">
       <p:transition/>
     </mc:Fallback>
   </mc:AlternateContent>
@@ -24230,7 +24299,7 @@
     <mc:Choice Requires="p14">
       <p:transition/>
     </mc:Choice>
-    <mc:Fallback xmlns:dsp="http://schemas.microsoft.com/office/drawing/2008/diagram" xmlns:dgm="http://schemas.openxmlformats.org/drawingml/2006/diagram" xmlns:c="http://schemas.openxmlformats.org/drawingml/2006/chart" xmlns="">
+    <mc:Fallback xmlns="" xmlns:c="http://schemas.openxmlformats.org/drawingml/2006/chart" xmlns:dgm="http://schemas.openxmlformats.org/drawingml/2006/diagram" xmlns:dsp="http://schemas.microsoft.com/office/drawing/2008/diagram">
       <p:transition/>
     </mc:Fallback>
   </mc:AlternateContent>

--- a/v12.pptx
+++ b/v12.pptx
@@ -1,31 +1,31 @@
 
 <file path=ppt/presentation.xml><?xml version="1.0" encoding="utf-8"?>
-<p:presentation xmlns:a="http://schemas.openxmlformats.org/drawingml/2006/main" xmlns:r="http://schemas.openxmlformats.org/officeDocument/2006/relationships" xmlns:p="http://schemas.openxmlformats.org/presentationml/2006/main" showSpecialPlsOnTitleSld="0" strictFirstAndLastChars="0" autoCompressPictures="0">
+<p:presentation xmlns:r="http://schemas.openxmlformats.org/officeDocument/2006/relationships" xmlns:c="http://schemas.openxmlformats.org/drawingml/2006/chart" xmlns:a="http://schemas.openxmlformats.org/drawingml/2006/main" xmlns:dgm="http://schemas.openxmlformats.org/drawingml/2006/diagram" xmlns:dsp="http://schemas.microsoft.com/office/drawing/2008/diagram" xmlns:p="http://schemas.openxmlformats.org/presentationml/2006/main" showSpecialPlsOnTitleSld="0" strictFirstAndLastChars="0" autoCompressPictures="0">
   <p:sldMasterIdLst>
-    <p:sldMasterId id="2147483671" r:id="rId1"/>
+    <p:sldMasterId id="2147483653" r:id="rId1"/>
   </p:sldMasterIdLst>
   <p:notesMasterIdLst>
-    <p:notesMasterId r:id="rId20"/>
+    <p:notesMasterId r:id="rId2"/>
   </p:notesMasterIdLst>
   <p:sldIdLst>
-    <p:sldId id="256" r:id="rId2"/>
-    <p:sldId id="278" r:id="rId3"/>
-    <p:sldId id="279" r:id="rId4"/>
-    <p:sldId id="280" r:id="rId5"/>
-    <p:sldId id="260" r:id="rId6"/>
-    <p:sldId id="261" r:id="rId7"/>
-    <p:sldId id="262" r:id="rId8"/>
-    <p:sldId id="263" r:id="rId9"/>
-    <p:sldId id="264" r:id="rId10"/>
-    <p:sldId id="265" r:id="rId11"/>
-    <p:sldId id="266" r:id="rId12"/>
-    <p:sldId id="267" r:id="rId13"/>
-    <p:sldId id="268" r:id="rId14"/>
-    <p:sldId id="276" r:id="rId15"/>
-    <p:sldId id="270" r:id="rId16"/>
-    <p:sldId id="277" r:id="rId17"/>
-    <p:sldId id="272" r:id="rId18"/>
-    <p:sldId id="273" r:id="rId19"/>
+    <p:sldId id="256" r:id="rId3"/>
+    <p:sldId id="257" r:id="rId4"/>
+    <p:sldId id="258" r:id="rId5"/>
+    <p:sldId id="259" r:id="rId6"/>
+    <p:sldId id="260" r:id="rId7"/>
+    <p:sldId id="261" r:id="rId8"/>
+    <p:sldId id="262" r:id="rId9"/>
+    <p:sldId id="263" r:id="rId10"/>
+    <p:sldId id="264" r:id="rId11"/>
+    <p:sldId id="265" r:id="rId12"/>
+    <p:sldId id="266" r:id="rId13"/>
+    <p:sldId id="267" r:id="rId14"/>
+    <p:sldId id="268" r:id="rId15"/>
+    <p:sldId id="269" r:id="rId16"/>
+    <p:sldId id="270" r:id="rId17"/>
+    <p:sldId id="271" r:id="rId18"/>
+    <p:sldId id="272" r:id="rId19"/>
+    <p:sldId id="273" r:id="rId20"/>
   </p:sldIdLst>
   <p:sldSz cx="9144000" cy="5143500" type="screen16x9"/>
   <p:notesSz cx="6858000" cy="9144000"/>
@@ -262,13 +262,13 @@
 </file>
 
 <file path=ppt/commentAuthors.xml><?xml version="1.0" encoding="utf-8"?>
-<p:cmAuthorLst xmlns:a="http://schemas.openxmlformats.org/drawingml/2006/main" xmlns:r="http://schemas.openxmlformats.org/officeDocument/2006/relationships" xmlns:p="http://schemas.openxmlformats.org/presentationml/2006/main">
+<p:cmAuthorLst xmlns:r="http://schemas.openxmlformats.org/officeDocument/2006/relationships" xmlns:c="http://schemas.openxmlformats.org/drawingml/2006/chart" xmlns:a="http://schemas.openxmlformats.org/drawingml/2006/main" xmlns:dgm="http://schemas.openxmlformats.org/drawingml/2006/diagram" xmlns:dsp="http://schemas.microsoft.com/office/drawing/2008/diagram" xmlns:p="http://schemas.openxmlformats.org/presentationml/2006/main">
   <p:cmAuthor id="0" name="wsj26" initials="w" lastIdx="1" clrIdx="0"/>
 </p:cmAuthorLst>
 </file>
 
 <file path=ppt/notesMasters/notesMaster1.xml><?xml version="1.0" encoding="utf-8"?>
-<p:notesMaster xmlns:a="http://schemas.openxmlformats.org/drawingml/2006/main" xmlns:r="http://schemas.openxmlformats.org/officeDocument/2006/relationships" xmlns:p="http://schemas.openxmlformats.org/presentationml/2006/main">
+<p:notesMaster xmlns:r="http://schemas.openxmlformats.org/officeDocument/2006/relationships" xmlns:c="http://schemas.openxmlformats.org/drawingml/2006/chart" xmlns:a="http://schemas.openxmlformats.org/drawingml/2006/main" xmlns:dgm="http://schemas.openxmlformats.org/drawingml/2006/diagram" xmlns:dsp="http://schemas.microsoft.com/office/drawing/2008/diagram" xmlns:p="http://schemas.openxmlformats.org/presentationml/2006/main">
   <p:cSld>
     <p:bg>
       <p:bgRef idx="1001">
@@ -307,8 +307,6 @@
           <a:custGeom>
             <a:avLst/>
             <a:gdLst/>
-            <a:ahLst/>
-            <a:cxnLst/>
             <a:rect l="l" t="t" r="r" b="b"/>
             <a:pathLst>
               <a:path w="120000" h="120000" extrusionOk="0">
@@ -470,16 +468,15 @@
             <a:pPr lvl="0">
               <a:defRPr/>
             </a:pPr>
+            <a:r>
+              <a:rPr lang="ko-KR" altLang="en-US"/>
+              <a:t/>
+            </a:r>
             <a:endParaRPr lang="ko-KR" altLang="en-US"/>
           </a:p>
         </p:txBody>
       </p:sp>
     </p:spTree>
-    <p:extLst>
-      <p:ext uri="{BB962C8B-B14F-4D97-AF65-F5344CB8AC3E}">
-        <p14:creationId xmlns:p14="http://schemas.microsoft.com/office/powerpoint/2010/main" val="438885024"/>
-      </p:ext>
-    </p:extLst>
   </p:cSld>
   <p:clrMap bg1="lt1" tx1="dk1" bg2="dk2" tx2="lt2" accent1="accent1" accent2="accent2" accent3="accent3" accent4="accent4" accent5="accent5" accent6="accent6" hlink="hlink" folHlink="folHlink"/>
   <p:hf hdr="0" ftr="0" dt="0"/>
@@ -716,7 +713,7 @@
 </file>
 
 <file path=ppt/notesSlides/notesSlide1.xml><?xml version="1.0" encoding="utf-8"?>
-<p:notes xmlns:a="http://schemas.openxmlformats.org/drawingml/2006/main" xmlns:r="http://schemas.openxmlformats.org/officeDocument/2006/relationships" xmlns:p="http://schemas.openxmlformats.org/presentationml/2006/main" showMasterSp="0" showMasterPhAnim="0">
+<p:notes xmlns:r="http://schemas.openxmlformats.org/officeDocument/2006/relationships" xmlns:c="http://schemas.openxmlformats.org/drawingml/2006/chart" xmlns:a="http://schemas.openxmlformats.org/drawingml/2006/main" xmlns:dgm="http://schemas.openxmlformats.org/drawingml/2006/diagram" xmlns:dsp="http://schemas.microsoft.com/office/drawing/2008/diagram" xmlns:p="http://schemas.openxmlformats.org/presentationml/2006/main" showMasterSp="0" showMasterPhAnim="0">
   <p:cSld>
     <p:spTree>
       <p:nvGrpSpPr>
@@ -750,8 +747,6 @@
           <a:custGeom>
             <a:avLst/>
             <a:gdLst/>
-            <a:ahLst/>
-            <a:cxnLst/>
             <a:rect l="l" t="t" r="r" b="b"/>
             <a:pathLst>
               <a:path w="120000" h="120000" extrusionOk="0">
@@ -808,6 +803,10 @@
               <a:buNone/>
               <a:defRPr/>
             </a:pPr>
+            <a:r>
+              <a:rPr lang="ko-KR" altLang="en-US"/>
+              <a:t/>
+            </a:r>
             <a:endParaRPr lang="ko-KR" altLang="en-US"/>
           </a:p>
         </p:txBody>
@@ -821,7 +820,7 @@
 </file>
 
 <file path=ppt/notesSlides/notesSlide10.xml><?xml version="1.0" encoding="utf-8"?>
-<p:notes xmlns:a="http://schemas.openxmlformats.org/drawingml/2006/main" xmlns:r="http://schemas.openxmlformats.org/officeDocument/2006/relationships" xmlns:p="http://schemas.openxmlformats.org/presentationml/2006/main" showMasterSp="0" showMasterPhAnim="0">
+<p:notes xmlns:r="http://schemas.openxmlformats.org/officeDocument/2006/relationships" xmlns:c="http://schemas.openxmlformats.org/drawingml/2006/chart" xmlns:a="http://schemas.openxmlformats.org/drawingml/2006/main" xmlns:dgm="http://schemas.openxmlformats.org/drawingml/2006/diagram" xmlns:dsp="http://schemas.microsoft.com/office/drawing/2008/diagram" xmlns:p="http://schemas.openxmlformats.org/presentationml/2006/main" showMasterSp="0" showMasterPhAnim="0">
   <p:cSld>
     <p:spTree>
       <p:nvGrpSpPr>
@@ -855,8 +854,6 @@
           <a:custGeom>
             <a:avLst/>
             <a:gdLst/>
-            <a:ahLst/>
-            <a:cxnLst/>
             <a:rect l="l" t="t" r="r" b="b"/>
             <a:pathLst>
               <a:path w="120000" h="120000" extrusionOk="0">
@@ -913,6 +910,10 @@
               <a:buNone/>
               <a:defRPr/>
             </a:pPr>
+            <a:r>
+              <a:rPr lang="ko-KR" altLang="en-US"/>
+              <a:t/>
+            </a:r>
             <a:endParaRPr lang="ko-KR" altLang="en-US"/>
           </a:p>
         </p:txBody>
@@ -926,7 +927,7 @@
 </file>
 
 <file path=ppt/notesSlides/notesSlide11.xml><?xml version="1.0" encoding="utf-8"?>
-<p:notes xmlns:a="http://schemas.openxmlformats.org/drawingml/2006/main" xmlns:r="http://schemas.openxmlformats.org/officeDocument/2006/relationships" xmlns:p="http://schemas.openxmlformats.org/presentationml/2006/main" showMasterSp="0" showMasterPhAnim="0">
+<p:notes xmlns:r="http://schemas.openxmlformats.org/officeDocument/2006/relationships" xmlns:c="http://schemas.openxmlformats.org/drawingml/2006/chart" xmlns:a="http://schemas.openxmlformats.org/drawingml/2006/main" xmlns:dgm="http://schemas.openxmlformats.org/drawingml/2006/diagram" xmlns:dsp="http://schemas.microsoft.com/office/drawing/2008/diagram" xmlns:p="http://schemas.openxmlformats.org/presentationml/2006/main" showMasterSp="0" showMasterPhAnim="0">
   <p:cSld>
     <p:spTree>
       <p:nvGrpSpPr>
@@ -960,8 +961,6 @@
           <a:custGeom>
             <a:avLst/>
             <a:gdLst/>
-            <a:ahLst/>
-            <a:cxnLst/>
             <a:rect l="l" t="t" r="r" b="b"/>
             <a:pathLst>
               <a:path w="120000" h="120000" extrusionOk="0">
@@ -1018,6 +1017,10 @@
               <a:buNone/>
               <a:defRPr/>
             </a:pPr>
+            <a:r>
+              <a:rPr lang="ko-KR" altLang="en-US"/>
+              <a:t/>
+            </a:r>
             <a:endParaRPr lang="ko-KR" altLang="en-US"/>
           </a:p>
         </p:txBody>
@@ -1031,7 +1034,7 @@
 </file>
 
 <file path=ppt/notesSlides/notesSlide12.xml><?xml version="1.0" encoding="utf-8"?>
-<p:notes xmlns:a="http://schemas.openxmlformats.org/drawingml/2006/main" xmlns:r="http://schemas.openxmlformats.org/officeDocument/2006/relationships" xmlns:p="http://schemas.openxmlformats.org/presentationml/2006/main" showMasterSp="0" showMasterPhAnim="0">
+<p:notes xmlns:r="http://schemas.openxmlformats.org/officeDocument/2006/relationships" xmlns:c="http://schemas.openxmlformats.org/drawingml/2006/chart" xmlns:a="http://schemas.openxmlformats.org/drawingml/2006/main" xmlns:dgm="http://schemas.openxmlformats.org/drawingml/2006/diagram" xmlns:dsp="http://schemas.microsoft.com/office/drawing/2008/diagram" xmlns:p="http://schemas.openxmlformats.org/presentationml/2006/main" showMasterSp="0" showMasterPhAnim="0">
   <p:cSld>
     <p:spTree>
       <p:nvGrpSpPr>
@@ -1065,8 +1068,6 @@
           <a:custGeom>
             <a:avLst/>
             <a:gdLst/>
-            <a:ahLst/>
-            <a:cxnLst/>
             <a:rect l="l" t="t" r="r" b="b"/>
             <a:pathLst>
               <a:path w="120000" h="120000" extrusionOk="0">
@@ -1123,6 +1124,10 @@
               <a:buNone/>
               <a:defRPr/>
             </a:pPr>
+            <a:r>
+              <a:rPr lang="ko-KR" altLang="en-US"/>
+              <a:t/>
+            </a:r>
             <a:endParaRPr lang="ko-KR" altLang="en-US"/>
           </a:p>
         </p:txBody>
@@ -1136,7 +1141,7 @@
 </file>
 
 <file path=ppt/notesSlides/notesSlide13.xml><?xml version="1.0" encoding="utf-8"?>
-<p:notes xmlns:a="http://schemas.openxmlformats.org/drawingml/2006/main" xmlns:r="http://schemas.openxmlformats.org/officeDocument/2006/relationships" xmlns:p="http://schemas.openxmlformats.org/presentationml/2006/main" showMasterSp="0" showMasterPhAnim="0">
+<p:notes xmlns:r="http://schemas.openxmlformats.org/officeDocument/2006/relationships" xmlns:c="http://schemas.openxmlformats.org/drawingml/2006/chart" xmlns:a="http://schemas.openxmlformats.org/drawingml/2006/main" xmlns:dgm="http://schemas.openxmlformats.org/drawingml/2006/diagram" xmlns:dsp="http://schemas.microsoft.com/office/drawing/2008/diagram" xmlns:p="http://schemas.openxmlformats.org/presentationml/2006/main" showMasterSp="0" showMasterPhAnim="0">
   <p:cSld>
     <p:spTree>
       <p:nvGrpSpPr>
@@ -1170,8 +1175,6 @@
           <a:custGeom>
             <a:avLst/>
             <a:gdLst/>
-            <a:ahLst/>
-            <a:cxnLst/>
             <a:rect l="l" t="t" r="r" b="b"/>
             <a:pathLst>
               <a:path w="120000" h="120000" extrusionOk="0">
@@ -1228,6 +1231,10 @@
               <a:buNone/>
               <a:defRPr/>
             </a:pPr>
+            <a:r>
+              <a:rPr lang="ko-KR" altLang="en-US"/>
+              <a:t/>
+            </a:r>
             <a:endParaRPr lang="ko-KR" altLang="en-US"/>
           </a:p>
         </p:txBody>
@@ -1241,7 +1248,7 @@
 </file>
 
 <file path=ppt/notesSlides/notesSlide14.xml><?xml version="1.0" encoding="utf-8"?>
-<p:notes xmlns:a="http://schemas.openxmlformats.org/drawingml/2006/main" xmlns:r="http://schemas.openxmlformats.org/officeDocument/2006/relationships" xmlns:p="http://schemas.openxmlformats.org/presentationml/2006/main" showMasterSp="0" showMasterPhAnim="0">
+<p:notes xmlns:r="http://schemas.openxmlformats.org/officeDocument/2006/relationships" xmlns:c="http://schemas.openxmlformats.org/drawingml/2006/chart" xmlns:a="http://schemas.openxmlformats.org/drawingml/2006/main" xmlns:dgm="http://schemas.openxmlformats.org/drawingml/2006/diagram" xmlns:dsp="http://schemas.microsoft.com/office/drawing/2008/diagram" xmlns:p="http://schemas.openxmlformats.org/presentationml/2006/main" showMasterSp="0" showMasterPhAnim="0">
   <p:cSld>
     <p:spTree>
       <p:nvGrpSpPr>
@@ -1275,8 +1282,6 @@
           <a:custGeom>
             <a:avLst/>
             <a:gdLst/>
-            <a:ahLst/>
-            <a:cxnLst/>
             <a:rect l="l" t="t" r="r" b="b"/>
             <a:pathLst>
               <a:path w="120000" h="120000" extrusionOk="0">
@@ -1333,7 +1338,11 @@
               <a:buNone/>
               <a:defRPr/>
             </a:pPr>
-            <a:endParaRPr lang="en-US" altLang="ko-KR"/>
+            <a:r>
+              <a:rPr lang="ko-KR" altLang="en-US"/>
+              <a:t/>
+            </a:r>
+            <a:endParaRPr lang="ko-KR" altLang="en-US"/>
           </a:p>
         </p:txBody>
       </p:sp>
@@ -1346,7 +1355,7 @@
 </file>
 
 <file path=ppt/notesSlides/notesSlide15.xml><?xml version="1.0" encoding="utf-8"?>
-<p:notes xmlns:a="http://schemas.openxmlformats.org/drawingml/2006/main" xmlns:r="http://schemas.openxmlformats.org/officeDocument/2006/relationships" xmlns:p="http://schemas.openxmlformats.org/presentationml/2006/main" showMasterSp="0" showMasterPhAnim="0">
+<p:notes xmlns:r="http://schemas.openxmlformats.org/officeDocument/2006/relationships" xmlns:c="http://schemas.openxmlformats.org/drawingml/2006/chart" xmlns:a="http://schemas.openxmlformats.org/drawingml/2006/main" xmlns:dgm="http://schemas.openxmlformats.org/drawingml/2006/diagram" xmlns:dsp="http://schemas.microsoft.com/office/drawing/2008/diagram" xmlns:p="http://schemas.openxmlformats.org/presentationml/2006/main" showMasterSp="0" showMasterPhAnim="0">
   <p:cSld>
     <p:spTree>
       <p:nvGrpSpPr>
@@ -1380,8 +1389,6 @@
           <a:custGeom>
             <a:avLst/>
             <a:gdLst/>
-            <a:ahLst/>
-            <a:cxnLst/>
             <a:rect l="l" t="t" r="r" b="b"/>
             <a:pathLst>
               <a:path w="120000" h="120000" extrusionOk="0">
@@ -1438,7 +1445,11 @@
               <a:buNone/>
               <a:defRPr/>
             </a:pPr>
-            <a:endParaRPr lang="en-US" altLang="ko-KR"/>
+            <a:r>
+              <a:rPr lang="ko-KR" altLang="en-US"/>
+              <a:t/>
+            </a:r>
+            <a:endParaRPr lang="ko-KR" altLang="en-US"/>
           </a:p>
         </p:txBody>
       </p:sp>
@@ -1451,7 +1462,7 @@
 </file>
 
 <file path=ppt/notesSlides/notesSlide16.xml><?xml version="1.0" encoding="utf-8"?>
-<p:notes xmlns:a="http://schemas.openxmlformats.org/drawingml/2006/main" xmlns:r="http://schemas.openxmlformats.org/officeDocument/2006/relationships" xmlns:p="http://schemas.openxmlformats.org/presentationml/2006/main" showMasterSp="0" showMasterPhAnim="0">
+<p:notes xmlns:r="http://schemas.openxmlformats.org/officeDocument/2006/relationships" xmlns:c="http://schemas.openxmlformats.org/drawingml/2006/chart" xmlns:a="http://schemas.openxmlformats.org/drawingml/2006/main" xmlns:dgm="http://schemas.openxmlformats.org/drawingml/2006/diagram" xmlns:dsp="http://schemas.microsoft.com/office/drawing/2008/diagram" xmlns:p="http://schemas.openxmlformats.org/presentationml/2006/main" showMasterSp="0" showMasterPhAnim="0">
   <p:cSld>
     <p:spTree>
       <p:nvGrpSpPr>
@@ -1485,8 +1496,6 @@
           <a:custGeom>
             <a:avLst/>
             <a:gdLst/>
-            <a:ahLst/>
-            <a:cxnLst/>
             <a:rect l="l" t="t" r="r" b="b"/>
             <a:pathLst>
               <a:path w="120000" h="120000" extrusionOk="0">
@@ -1543,7 +1552,11 @@
               <a:buNone/>
               <a:defRPr/>
             </a:pPr>
-            <a:endParaRPr lang="en-US" altLang="ko-KR"/>
+            <a:r>
+              <a:rPr lang="ko-KR" altLang="en-US"/>
+              <a:t/>
+            </a:r>
+            <a:endParaRPr lang="ko-KR" altLang="en-US"/>
           </a:p>
         </p:txBody>
       </p:sp>
@@ -1556,7 +1569,7 @@
 </file>
 
 <file path=ppt/notesSlides/notesSlide17.xml><?xml version="1.0" encoding="utf-8"?>
-<p:notes xmlns:a="http://schemas.openxmlformats.org/drawingml/2006/main" xmlns:r="http://schemas.openxmlformats.org/officeDocument/2006/relationships" xmlns:p="http://schemas.openxmlformats.org/presentationml/2006/main" showMasterSp="0" showMasterPhAnim="0">
+<p:notes xmlns:r="http://schemas.openxmlformats.org/officeDocument/2006/relationships" xmlns:c="http://schemas.openxmlformats.org/drawingml/2006/chart" xmlns:a="http://schemas.openxmlformats.org/drawingml/2006/main" xmlns:dgm="http://schemas.openxmlformats.org/drawingml/2006/diagram" xmlns:dsp="http://schemas.microsoft.com/office/drawing/2008/diagram" xmlns:p="http://schemas.openxmlformats.org/presentationml/2006/main" showMasterSp="0" showMasterPhAnim="0">
   <p:cSld>
     <p:spTree>
       <p:nvGrpSpPr>
@@ -1590,8 +1603,6 @@
           <a:custGeom>
             <a:avLst/>
             <a:gdLst/>
-            <a:ahLst/>
-            <a:cxnLst/>
             <a:rect l="l" t="t" r="r" b="b"/>
             <a:pathLst>
               <a:path w="120000" h="120000" extrusionOk="0">
@@ -1648,7 +1659,11 @@
               <a:buNone/>
               <a:defRPr/>
             </a:pPr>
-            <a:endParaRPr lang="en-US" altLang="ko-KR"/>
+            <a:r>
+              <a:rPr lang="ko-KR" altLang="en-US"/>
+              <a:t/>
+            </a:r>
+            <a:endParaRPr lang="ko-KR" altLang="en-US"/>
           </a:p>
         </p:txBody>
       </p:sp>
@@ -1661,7 +1676,7 @@
 </file>
 
 <file path=ppt/notesSlides/notesSlide18.xml><?xml version="1.0" encoding="utf-8"?>
-<p:notes xmlns:a="http://schemas.openxmlformats.org/drawingml/2006/main" xmlns:r="http://schemas.openxmlformats.org/officeDocument/2006/relationships" xmlns:p="http://schemas.openxmlformats.org/presentationml/2006/main" showMasterSp="0" showMasterPhAnim="0">
+<p:notes xmlns:r="http://schemas.openxmlformats.org/officeDocument/2006/relationships" xmlns:c="http://schemas.openxmlformats.org/drawingml/2006/chart" xmlns:a="http://schemas.openxmlformats.org/drawingml/2006/main" xmlns:dgm="http://schemas.openxmlformats.org/drawingml/2006/diagram" xmlns:dsp="http://schemas.microsoft.com/office/drawing/2008/diagram" xmlns:p="http://schemas.openxmlformats.org/presentationml/2006/main" showMasterSp="0" showMasterPhAnim="0">
   <p:cSld>
     <p:spTree>
       <p:nvGrpSpPr>
@@ -1695,8 +1710,6 @@
           <a:custGeom>
             <a:avLst/>
             <a:gdLst/>
-            <a:ahLst/>
-            <a:cxnLst/>
             <a:rect l="l" t="t" r="r" b="b"/>
             <a:pathLst>
               <a:path w="120000" h="120000" extrusionOk="0">
@@ -1753,7 +1766,11 @@
               <a:buNone/>
               <a:defRPr/>
             </a:pPr>
-            <a:endParaRPr lang="en-US" altLang="ko-KR"/>
+            <a:r>
+              <a:rPr lang="ko-KR" altLang="en-US"/>
+              <a:t/>
+            </a:r>
+            <a:endParaRPr lang="ko-KR" altLang="en-US"/>
           </a:p>
         </p:txBody>
       </p:sp>
@@ -1766,7 +1783,7 @@
 </file>
 
 <file path=ppt/notesSlides/notesSlide2.xml><?xml version="1.0" encoding="utf-8"?>
-<p:notes xmlns:a="http://schemas.openxmlformats.org/drawingml/2006/main" xmlns:r="http://schemas.openxmlformats.org/officeDocument/2006/relationships" xmlns:p="http://schemas.openxmlformats.org/presentationml/2006/main" showMasterSp="0" showMasterPhAnim="0">
+<p:notes xmlns:r="http://schemas.openxmlformats.org/officeDocument/2006/relationships" xmlns:c="http://schemas.openxmlformats.org/drawingml/2006/chart" xmlns:a="http://schemas.openxmlformats.org/drawingml/2006/main" xmlns:dgm="http://schemas.openxmlformats.org/drawingml/2006/diagram" xmlns:dsp="http://schemas.microsoft.com/office/drawing/2008/diagram" xmlns:p="http://schemas.openxmlformats.org/presentationml/2006/main" showMasterSp="0" showMasterPhAnim="0">
   <p:cSld>
     <p:spTree>
       <p:nvGrpSpPr>
@@ -1800,8 +1817,6 @@
           <a:custGeom>
             <a:avLst/>
             <a:gdLst/>
-            <a:ahLst/>
-            <a:cxnLst/>
             <a:rect l="l" t="t" r="r" b="b"/>
             <a:pathLst>
               <a:path w="120000" h="120000" extrusionOk="0">
@@ -1858,7 +1873,11 @@
               <a:buNone/>
               <a:defRPr/>
             </a:pPr>
-            <a:endParaRPr lang="en-US" altLang="ko-KR"/>
+            <a:r>
+              <a:rPr lang="ko-KR" altLang="en-US"/>
+              <a:t/>
+            </a:r>
+            <a:endParaRPr lang="ko-KR" altLang="en-US"/>
           </a:p>
         </p:txBody>
       </p:sp>
@@ -1871,7 +1890,7 @@
 </file>
 
 <file path=ppt/notesSlides/notesSlide3.xml><?xml version="1.0" encoding="utf-8"?>
-<p:notes xmlns:a="http://schemas.openxmlformats.org/drawingml/2006/main" xmlns:r="http://schemas.openxmlformats.org/officeDocument/2006/relationships" xmlns:p="http://schemas.openxmlformats.org/presentationml/2006/main" showMasterSp="0" showMasterPhAnim="0">
+<p:notes xmlns:r="http://schemas.openxmlformats.org/officeDocument/2006/relationships" xmlns:c="http://schemas.openxmlformats.org/drawingml/2006/chart" xmlns:a="http://schemas.openxmlformats.org/drawingml/2006/main" xmlns:dgm="http://schemas.openxmlformats.org/drawingml/2006/diagram" xmlns:dsp="http://schemas.microsoft.com/office/drawing/2008/diagram" xmlns:p="http://schemas.openxmlformats.org/presentationml/2006/main" showMasterSp="0" showMasterPhAnim="0">
   <p:cSld>
     <p:spTree>
       <p:nvGrpSpPr>
@@ -1905,8 +1924,6 @@
           <a:custGeom>
             <a:avLst/>
             <a:gdLst/>
-            <a:ahLst/>
-            <a:cxnLst/>
             <a:rect l="l" t="t" r="r" b="b"/>
             <a:pathLst>
               <a:path w="120000" h="120000" extrusionOk="0">
@@ -1963,7 +1980,11 @@
               <a:buNone/>
               <a:defRPr/>
             </a:pPr>
-            <a:endParaRPr lang="en-US" altLang="ko-KR"/>
+            <a:r>
+              <a:rPr lang="ko-KR" altLang="en-US"/>
+              <a:t/>
+            </a:r>
+            <a:endParaRPr lang="ko-KR" altLang="en-US"/>
           </a:p>
         </p:txBody>
       </p:sp>
@@ -1976,7 +1997,7 @@
 </file>
 
 <file path=ppt/notesSlides/notesSlide4.xml><?xml version="1.0" encoding="utf-8"?>
-<p:notes xmlns:a="http://schemas.openxmlformats.org/drawingml/2006/main" xmlns:r="http://schemas.openxmlformats.org/officeDocument/2006/relationships" xmlns:p="http://schemas.openxmlformats.org/presentationml/2006/main" showMasterSp="0" showMasterPhAnim="0">
+<p:notes xmlns:r="http://schemas.openxmlformats.org/officeDocument/2006/relationships" xmlns:c="http://schemas.openxmlformats.org/drawingml/2006/chart" xmlns:a="http://schemas.openxmlformats.org/drawingml/2006/main" xmlns:dgm="http://schemas.openxmlformats.org/drawingml/2006/diagram" xmlns:dsp="http://schemas.microsoft.com/office/drawing/2008/diagram" xmlns:p="http://schemas.openxmlformats.org/presentationml/2006/main" showMasterSp="0" showMasterPhAnim="0">
   <p:cSld>
     <p:spTree>
       <p:nvGrpSpPr>
@@ -2010,8 +2031,6 @@
           <a:custGeom>
             <a:avLst/>
             <a:gdLst/>
-            <a:ahLst/>
-            <a:cxnLst/>
             <a:rect l="l" t="t" r="r" b="b"/>
             <a:pathLst>
               <a:path w="120000" h="120000" extrusionOk="0">
@@ -2068,7 +2087,11 @@
               <a:buNone/>
               <a:defRPr/>
             </a:pPr>
-            <a:endParaRPr lang="en-US" altLang="ko-KR"/>
+            <a:r>
+              <a:rPr lang="ko-KR" altLang="en-US"/>
+              <a:t/>
+            </a:r>
+            <a:endParaRPr lang="ko-KR" altLang="en-US"/>
           </a:p>
         </p:txBody>
       </p:sp>
@@ -2081,7 +2104,7 @@
 </file>
 
 <file path=ppt/notesSlides/notesSlide5.xml><?xml version="1.0" encoding="utf-8"?>
-<p:notes xmlns:a="http://schemas.openxmlformats.org/drawingml/2006/main" xmlns:r="http://schemas.openxmlformats.org/officeDocument/2006/relationships" xmlns:p="http://schemas.openxmlformats.org/presentationml/2006/main" showMasterSp="0" showMasterPhAnim="0">
+<p:notes xmlns:r="http://schemas.openxmlformats.org/officeDocument/2006/relationships" xmlns:c="http://schemas.openxmlformats.org/drawingml/2006/chart" xmlns:a="http://schemas.openxmlformats.org/drawingml/2006/main" xmlns:dgm="http://schemas.openxmlformats.org/drawingml/2006/diagram" xmlns:dsp="http://schemas.microsoft.com/office/drawing/2008/diagram" xmlns:p="http://schemas.openxmlformats.org/presentationml/2006/main" showMasterSp="0" showMasterPhAnim="0">
   <p:cSld>
     <p:spTree>
       <p:nvGrpSpPr>
@@ -2115,8 +2138,6 @@
           <a:custGeom>
             <a:avLst/>
             <a:gdLst/>
-            <a:ahLst/>
-            <a:cxnLst/>
             <a:rect l="l" t="t" r="r" b="b"/>
             <a:pathLst>
               <a:path w="120000" h="120000" extrusionOk="0">
@@ -2173,7 +2194,11 @@
               <a:buNone/>
               <a:defRPr/>
             </a:pPr>
-            <a:endParaRPr lang="en-US" altLang="ko-KR"/>
+            <a:r>
+              <a:rPr lang="ko-KR" altLang="en-US"/>
+              <a:t/>
+            </a:r>
+            <a:endParaRPr lang="ko-KR" altLang="en-US"/>
           </a:p>
         </p:txBody>
       </p:sp>
@@ -2186,7 +2211,7 @@
 </file>
 
 <file path=ppt/notesSlides/notesSlide6.xml><?xml version="1.0" encoding="utf-8"?>
-<p:notes xmlns:a="http://schemas.openxmlformats.org/drawingml/2006/main" xmlns:r="http://schemas.openxmlformats.org/officeDocument/2006/relationships" xmlns:p="http://schemas.openxmlformats.org/presentationml/2006/main" showMasterSp="0" showMasterPhAnim="0">
+<p:notes xmlns:r="http://schemas.openxmlformats.org/officeDocument/2006/relationships" xmlns:c="http://schemas.openxmlformats.org/drawingml/2006/chart" xmlns:a="http://schemas.openxmlformats.org/drawingml/2006/main" xmlns:dgm="http://schemas.openxmlformats.org/drawingml/2006/diagram" xmlns:dsp="http://schemas.microsoft.com/office/drawing/2008/diagram" xmlns:p="http://schemas.openxmlformats.org/presentationml/2006/main" showMasterSp="0" showMasterPhAnim="0">
   <p:cSld>
     <p:spTree>
       <p:nvGrpSpPr>
@@ -2220,8 +2245,6 @@
           <a:custGeom>
             <a:avLst/>
             <a:gdLst/>
-            <a:ahLst/>
-            <a:cxnLst/>
             <a:rect l="l" t="t" r="r" b="b"/>
             <a:pathLst>
               <a:path w="120000" h="120000" extrusionOk="0">
@@ -2278,7 +2301,11 @@
               <a:buNone/>
               <a:defRPr/>
             </a:pPr>
-            <a:endParaRPr lang="en-US" altLang="ko-KR"/>
+            <a:r>
+              <a:rPr lang="ko-KR" altLang="en-US"/>
+              <a:t/>
+            </a:r>
+            <a:endParaRPr lang="ko-KR" altLang="en-US"/>
           </a:p>
         </p:txBody>
       </p:sp>
@@ -2291,7 +2318,7 @@
 </file>
 
 <file path=ppt/notesSlides/notesSlide7.xml><?xml version="1.0" encoding="utf-8"?>
-<p:notes xmlns:a="http://schemas.openxmlformats.org/drawingml/2006/main" xmlns:r="http://schemas.openxmlformats.org/officeDocument/2006/relationships" xmlns:p="http://schemas.openxmlformats.org/presentationml/2006/main" showMasterSp="0" showMasterPhAnim="0">
+<p:notes xmlns:r="http://schemas.openxmlformats.org/officeDocument/2006/relationships" xmlns:c="http://schemas.openxmlformats.org/drawingml/2006/chart" xmlns:a="http://schemas.openxmlformats.org/drawingml/2006/main" xmlns:dgm="http://schemas.openxmlformats.org/drawingml/2006/diagram" xmlns:dsp="http://schemas.microsoft.com/office/drawing/2008/diagram" xmlns:p="http://schemas.openxmlformats.org/presentationml/2006/main" showMasterSp="0" showMasterPhAnim="0">
   <p:cSld>
     <p:spTree>
       <p:nvGrpSpPr>
@@ -2325,8 +2352,6 @@
           <a:custGeom>
             <a:avLst/>
             <a:gdLst/>
-            <a:ahLst/>
-            <a:cxnLst/>
             <a:rect l="l" t="t" r="r" b="b"/>
             <a:pathLst>
               <a:path w="120000" h="120000" extrusionOk="0">
@@ -2383,6 +2408,10 @@
               <a:buNone/>
               <a:defRPr/>
             </a:pPr>
+            <a:r>
+              <a:rPr lang="ko-KR" altLang="en-US"/>
+              <a:t/>
+            </a:r>
             <a:endParaRPr lang="ko-KR" altLang="en-US"/>
           </a:p>
         </p:txBody>
@@ -2396,7 +2425,7 @@
 </file>
 
 <file path=ppt/notesSlides/notesSlide8.xml><?xml version="1.0" encoding="utf-8"?>
-<p:notes xmlns:a="http://schemas.openxmlformats.org/drawingml/2006/main" xmlns:r="http://schemas.openxmlformats.org/officeDocument/2006/relationships" xmlns:p="http://schemas.openxmlformats.org/presentationml/2006/main" showMasterSp="0" showMasterPhAnim="0">
+<p:notes xmlns:r="http://schemas.openxmlformats.org/officeDocument/2006/relationships" xmlns:c="http://schemas.openxmlformats.org/drawingml/2006/chart" xmlns:a="http://schemas.openxmlformats.org/drawingml/2006/main" xmlns:dgm="http://schemas.openxmlformats.org/drawingml/2006/diagram" xmlns:dsp="http://schemas.microsoft.com/office/drawing/2008/diagram" xmlns:p="http://schemas.openxmlformats.org/presentationml/2006/main" showMasterSp="0" showMasterPhAnim="0">
   <p:cSld>
     <p:spTree>
       <p:nvGrpSpPr>
@@ -2430,8 +2459,6 @@
           <a:custGeom>
             <a:avLst/>
             <a:gdLst/>
-            <a:ahLst/>
-            <a:cxnLst/>
             <a:rect l="l" t="t" r="r" b="b"/>
             <a:pathLst>
               <a:path w="120000" h="120000" extrusionOk="0">
@@ -2488,6 +2515,10 @@
               <a:buNone/>
               <a:defRPr/>
             </a:pPr>
+            <a:r>
+              <a:rPr lang="ko-KR" altLang="en-US"/>
+              <a:t/>
+            </a:r>
             <a:endParaRPr lang="ko-KR" altLang="en-US"/>
           </a:p>
         </p:txBody>
@@ -2501,7 +2532,7 @@
 </file>
 
 <file path=ppt/notesSlides/notesSlide9.xml><?xml version="1.0" encoding="utf-8"?>
-<p:notes xmlns:a="http://schemas.openxmlformats.org/drawingml/2006/main" xmlns:r="http://schemas.openxmlformats.org/officeDocument/2006/relationships" xmlns:p="http://schemas.openxmlformats.org/presentationml/2006/main" showMasterSp="0" showMasterPhAnim="0">
+<p:notes xmlns:r="http://schemas.openxmlformats.org/officeDocument/2006/relationships" xmlns:c="http://schemas.openxmlformats.org/drawingml/2006/chart" xmlns:a="http://schemas.openxmlformats.org/drawingml/2006/main" xmlns:dgm="http://schemas.openxmlformats.org/drawingml/2006/diagram" xmlns:dsp="http://schemas.microsoft.com/office/drawing/2008/diagram" xmlns:p="http://schemas.openxmlformats.org/presentationml/2006/main" showMasterSp="0" showMasterPhAnim="0">
   <p:cSld>
     <p:spTree>
       <p:nvGrpSpPr>
@@ -2535,8 +2566,6 @@
           <a:custGeom>
             <a:avLst/>
             <a:gdLst/>
-            <a:ahLst/>
-            <a:cxnLst/>
             <a:rect l="l" t="t" r="r" b="b"/>
             <a:pathLst>
               <a:path w="120000" h="120000" extrusionOk="0">
@@ -2593,6 +2622,10 @@
               <a:buNone/>
               <a:defRPr/>
             </a:pPr>
+            <a:r>
+              <a:rPr lang="ko-KR" altLang="en-US"/>
+              <a:t/>
+            </a:r>
             <a:endParaRPr lang="ko-KR" altLang="en-US"/>
           </a:p>
         </p:txBody>
@@ -8051,7 +8084,7 @@
 </file>
 
 <file path=ppt/slides/slide12.xml><?xml version="1.0" encoding="utf-8"?>
-<p:sld xmlns:a="http://schemas.openxmlformats.org/drawingml/2006/main" xmlns:r="http://schemas.openxmlformats.org/officeDocument/2006/relationships" xmlns:p="http://schemas.openxmlformats.org/presentationml/2006/main">
+<p:sld xmlns:r="http://schemas.openxmlformats.org/officeDocument/2006/relationships" xmlns:c="http://schemas.openxmlformats.org/drawingml/2006/chart" xmlns:a="http://schemas.openxmlformats.org/drawingml/2006/main" xmlns:dgm="http://schemas.openxmlformats.org/drawingml/2006/diagram" xmlns:dsp="http://schemas.microsoft.com/office/drawing/2008/diagram" xmlns:p="http://schemas.openxmlformats.org/presentationml/2006/main">
   <p:cSld>
     <p:spTree>
       <p:nvGrpSpPr>
@@ -8187,7 +8220,7 @@
             <a:spLocks noGrp="1"/>
           </p:cNvSpPr>
           <p:nvPr>
-            <p:ph type="title"/>
+            <p:ph type="title" idx="0"/>
           </p:nvPr>
         </p:nvSpPr>
         <p:spPr>
@@ -8242,7 +8275,7 @@
               <a:defRPr/>
             </a:pPr>
             <a:r>
-              <a:rPr lang="en-US" altLang="ko-KR" dirty="0">
+              <a:rPr lang="en-US" altLang="ko-KR">
                 <a:solidFill>
                   <a:schemeClr val="tx2">
                     <a:lumMod val="10000"/>
@@ -8254,7 +8287,7 @@
               <a:t>3. </a:t>
             </a:r>
             <a:r>
-              <a:rPr lang="ko-KR" altLang="en-US" dirty="0">
+              <a:rPr lang="ko-KR" altLang="en-US">
                 <a:solidFill>
                   <a:schemeClr val="tx2">
                     <a:lumMod val="10000"/>
@@ -8265,6 +8298,15 @@
               </a:rPr>
               <a:t>기술적 요소 및 중점 연구 분야</a:t>
             </a:r>
+            <a:endParaRPr lang="ko-KR" altLang="en-US">
+              <a:solidFill>
+                <a:schemeClr val="tx2">
+                  <a:lumMod val="10000"/>
+                </a:schemeClr>
+              </a:solidFill>
+              <a:latin typeface="+mj-ea"/>
+              <a:ea typeface="+mj-ea"/>
+            </a:endParaRPr>
           </a:p>
         </p:txBody>
       </p:sp>
@@ -8438,11 +8480,11 @@
   <p:clrMapOvr>
     <a:masterClrMapping/>
   </p:clrMapOvr>
-  <mc:AlternateContent xmlns:mc="http://schemas.openxmlformats.org/markup-compatibility/2006" xmlns:p14="http://schemas.microsoft.com/office/powerpoint/2010/main">
-    <mc:Choice Requires="p14">
-      <p:transition/>
+  <mc:AlternateContent xmlns:mc="http://schemas.openxmlformats.org/markup-compatibility/2006">
+    <mc:Choice xmlns:p14="http://schemas.microsoft.com/office/powerpoint/2010/main" Requires="p14">
+      <p:transition xmlns:mc="http://schemas.openxmlformats.org/markup-compatibility/2006" xmlns:p14="http://schemas.microsoft.com/office/powerpoint/2010/main" mc:Ignorable="p14" p14:dur="500"/>
     </mc:Choice>
-    <mc:Fallback xmlns:dsp="http://schemas.microsoft.com/office/drawing/2008/diagram" xmlns:dgm="http://schemas.openxmlformats.org/drawingml/2006/diagram" xmlns:c="http://schemas.openxmlformats.org/drawingml/2006/chart" xmlns="">
+    <mc:Fallback>
       <p:transition/>
     </mc:Fallback>
   </mc:AlternateContent>
@@ -8665,7 +8707,7 @@
                             </p:stCondLst>
                             <p:childTnLst>
                               <p:par>
-                                <p:cTn id="19" presetID="42" presetClass="entr" presetSubtype="0" fill="hold" nodeType="clickEffect">
+                                <p:cTn id="19" presetID="1" presetClass="entr" presetSubtype="0" fill="hold" nodeType="clickEffect">
                                   <p:stCondLst>
                                     <p:cond delay="0"/>
                                   </p:stCondLst>
@@ -8688,60 +8730,6 @@
                                         <p:strVal val="visible"/>
                                       </p:to>
                                     </p:set>
-                                    <p:animEffect transition="in" filter="fade">
-                                      <p:cBhvr>
-                                        <p:cTn id="21" dur="1000"/>
-                                        <p:tgtEl>
-                                          <p:spTgt spid="17"/>
-                                        </p:tgtEl>
-                                      </p:cBhvr>
-                                    </p:animEffect>
-                                    <p:anim calcmode="lin" valueType="num">
-                                      <p:cBhvr>
-                                        <p:cTn id="22" dur="1000" fill="hold"/>
-                                        <p:tgtEl>
-                                          <p:spTgt spid="17"/>
-                                        </p:tgtEl>
-                                        <p:attrNameLst>
-                                          <p:attrName>ppt_x</p:attrName>
-                                        </p:attrNameLst>
-                                      </p:cBhvr>
-                                      <p:tavLst>
-                                        <p:tav tm="0">
-                                          <p:val>
-                                            <p:strVal val="#ppt_x"/>
-                                          </p:val>
-                                        </p:tav>
-                                        <p:tav tm="100000">
-                                          <p:val>
-                                            <p:strVal val="#ppt_x"/>
-                                          </p:val>
-                                        </p:tav>
-                                      </p:tavLst>
-                                    </p:anim>
-                                    <p:anim calcmode="lin" valueType="num">
-                                      <p:cBhvr>
-                                        <p:cTn id="23" dur="1000" fill="hold"/>
-                                        <p:tgtEl>
-                                          <p:spTgt spid="17"/>
-                                        </p:tgtEl>
-                                        <p:attrNameLst>
-                                          <p:attrName>ppt_y</p:attrName>
-                                        </p:attrNameLst>
-                                      </p:cBhvr>
-                                      <p:tavLst>
-                                        <p:tav tm="0">
-                                          <p:val>
-                                            <p:strVal val="#ppt_y+.1"/>
-                                          </p:val>
-                                        </p:tav>
-                                        <p:tav tm="100000">
-                                          <p:val>
-                                            <p:strVal val="#ppt_y"/>
-                                          </p:val>
-                                        </p:tav>
-                                      </p:tavLst>
-                                    </p:anim>
                                   </p:childTnLst>
                                 </p:cTn>
                               </p:par>
@@ -8752,26 +8740,26 @@
                     </p:cTn>
                   </p:par>
                   <p:par>
-                    <p:cTn id="24" fill="hold">
+                    <p:cTn id="21" fill="hold">
                       <p:stCondLst>
                         <p:cond delay="indefinite"/>
                       </p:stCondLst>
                       <p:childTnLst>
                         <p:par>
-                          <p:cTn id="25" fill="hold">
+                          <p:cTn id="22" fill="hold">
                             <p:stCondLst>
                               <p:cond delay="0"/>
                             </p:stCondLst>
                             <p:childTnLst>
                               <p:par>
-                                <p:cTn id="26" presetID="1" presetClass="entr" presetSubtype="0" fill="hold" grpId="0" nodeType="clickEffect">
+                                <p:cTn id="23" presetID="1" presetClass="entr" presetSubtype="0" fill="hold" grpId="0" nodeType="clickEffect">
                                   <p:stCondLst>
                                     <p:cond delay="0"/>
                                   </p:stCondLst>
                                   <p:childTnLst>
                                     <p:set>
                                       <p:cBhvr>
-                                        <p:cTn id="27" dur="1" fill="hold">
+                                        <p:cTn id="24" dur="1" fill="hold">
                                           <p:stCondLst>
                                             <p:cond delay="0"/>
                                           </p:stCondLst>
@@ -24314,44 +24302,44 @@
 </file>
 
 <file path=ppt/theme/theme1.xml><?xml version="1.0" encoding="utf-8"?>
-<a:theme xmlns:a="http://schemas.openxmlformats.org/drawingml/2006/main" name="Antonio template">
+<a:theme xmlns:r="http://schemas.openxmlformats.org/officeDocument/2006/relationships" xmlns:c="http://schemas.openxmlformats.org/drawingml/2006/chart" xmlns:dgm="http://schemas.openxmlformats.org/drawingml/2006/diagram" xmlns:dsp="http://schemas.microsoft.com/office/drawing/2008/diagram" xmlns:a="http://schemas.openxmlformats.org/drawingml/2006/main" xmlns:pic="http://schemas.openxmlformats.org/drawingml/2006/picture" xmlns:wp="http://schemas.openxmlformats.org/drawingml/2006/wordprocessingDrawing" xmlns:xdr="http://schemas.openxmlformats.org/drawingml/2006/spreadsheetDrawing" xmlns:p="http://schemas.openxmlformats.org/presentationml/2006/main" name="Antonio template">
   <a:themeElements>
     <a:clrScheme name="Custom 347">
       <a:dk1>
         <a:srgbClr val="677480"/>
       </a:dk1>
       <a:lt1>
-        <a:srgbClr val="FFFFFF"/>
+        <a:srgbClr val="ffffff"/>
       </a:lt1>
       <a:dk2>
-        <a:srgbClr val="2185C5"/>
+        <a:srgbClr val="2185c5"/>
       </a:dk2>
       <a:lt2>
-        <a:srgbClr val="DEE2E6"/>
+        <a:srgbClr val="dee2e6"/>
       </a:lt2>
       <a:accent1>
-        <a:srgbClr val="2185C5"/>
+        <a:srgbClr val="2185c5"/>
       </a:accent1>
       <a:accent2>
-        <a:srgbClr val="7ECEFD"/>
+        <a:srgbClr val="7ecefd"/>
       </a:accent2>
       <a:accent3>
-        <a:srgbClr val="F20253"/>
+        <a:srgbClr val="f20253"/>
       </a:accent3>
       <a:accent4>
-        <a:srgbClr val="FF9715"/>
+        <a:srgbClr val="ff9715"/>
       </a:accent4>
       <a:accent5>
-        <a:srgbClr val="1C3AA9"/>
+        <a:srgbClr val="1c3aa9"/>
       </a:accent5>
       <a:accent6>
-        <a:srgbClr val="97ABBC"/>
+        <a:srgbClr val="97abbc"/>
       </a:accent6>
       <a:hlink>
-        <a:srgbClr val="2185C5"/>
+        <a:srgbClr val="2185c5"/>
       </a:hlink>
       <a:folHlink>
-        <a:srgbClr val="6611CC"/>
+        <a:srgbClr val="6611cc"/>
       </a:folHlink>
     </a:clrScheme>
     <a:fontScheme name="Office">
@@ -24589,50 +24577,48 @@
       </a:bgFillStyleLst>
     </a:fmtScheme>
   </a:themeElements>
-  <a:objectDefaults/>
-  <a:extraClrSchemeLst/>
 </a:theme>
 </file>
 
 <file path=ppt/theme/theme2.xml><?xml version="1.0" encoding="utf-8"?>
-<a:theme xmlns:a="http://schemas.openxmlformats.org/drawingml/2006/main">
+<a:theme xmlns:r="http://schemas.openxmlformats.org/officeDocument/2006/relationships" xmlns:c="http://schemas.openxmlformats.org/drawingml/2006/chart" xmlns:dgm="http://schemas.openxmlformats.org/drawingml/2006/diagram" xmlns:dsp="http://schemas.microsoft.com/office/drawing/2008/diagram" xmlns:a="http://schemas.openxmlformats.org/drawingml/2006/main" xmlns:pic="http://schemas.openxmlformats.org/drawingml/2006/picture" xmlns:wp="http://schemas.openxmlformats.org/drawingml/2006/wordprocessingDrawing" xmlns:xdr="http://schemas.openxmlformats.org/drawingml/2006/spreadsheetDrawing" xmlns:p="http://schemas.openxmlformats.org/presentationml/2006/main" name="">
   <a:themeElements>
     <a:clrScheme name="Default">
       <a:dk1>
         <a:srgbClr val="000000"/>
       </a:dk1>
       <a:lt1>
-        <a:srgbClr val="FFFFFF"/>
+        <a:srgbClr val="ffffff"/>
       </a:lt1>
       <a:dk2>
         <a:srgbClr val="158158"/>
       </a:dk2>
       <a:lt2>
-        <a:srgbClr val="F3F3F3"/>
+        <a:srgbClr val="f3f3f3"/>
       </a:lt2>
       <a:accent1>
-        <a:srgbClr val="058DC7"/>
+        <a:srgbClr val="058dc7"/>
       </a:accent1>
       <a:accent2>
-        <a:srgbClr val="50B432"/>
+        <a:srgbClr val="50b432"/>
       </a:accent2>
       <a:accent3>
-        <a:srgbClr val="ED561B"/>
+        <a:srgbClr val="ed561b"/>
       </a:accent3>
       <a:accent4>
-        <a:srgbClr val="EDEF00"/>
+        <a:srgbClr val="edef00"/>
       </a:accent4>
       <a:accent5>
-        <a:srgbClr val="24CBE5"/>
+        <a:srgbClr val="24cbe5"/>
       </a:accent5>
       <a:accent6>
-        <a:srgbClr val="64E572"/>
+        <a:srgbClr val="64e572"/>
       </a:accent6>
       <a:hlink>
-        <a:srgbClr val="2200CC"/>
+        <a:srgbClr val="2200cc"/>
       </a:hlink>
       <a:folHlink>
-        <a:srgbClr val="551A8B"/>
+        <a:srgbClr val="551a8b"/>
       </a:folHlink>
     </a:clrScheme>
     <a:fontScheme name="Office">
@@ -24870,7 +24856,5 @@
       </a:bgFillStyleLst>
     </a:fmtScheme>
   </a:themeElements>
-  <a:objectDefaults/>
-  <a:extraClrSchemeLst/>
 </a:theme>
 </file>